--- a/L02P04 - Ontwerpen SE - Huisinstallatie/Lesmateriaal/H1.1-1.2 Bestek en indeling meterkast.pptx
+++ b/L02P04 - Ontwerpen SE - Huisinstallatie/Lesmateriaal/H1.1-1.2 Bestek en indeling meterkast.pptx
@@ -226,7 +226,7 @@
           <a:p>
             <a:fld id="{CF58AA12-E57E-4997-B7FB-8B27A19EC910}" type="datetimeFigureOut">
               <a:rPr lang="nl-NL" smtClean="0"/>
-              <a:t>26-6-2020</a:t>
+              <a:t>25-04-2023</a:t>
             </a:fld>
             <a:endParaRPr lang="nl-NL"/>
           </a:p>
@@ -290,38 +290,37 @@
           <a:p>
             <a:pPr lvl="0"/>
             <a:r>
-              <a:rPr lang="nl-NL" smtClean="0"/>
+              <a:rPr lang="nl-NL"/>
               <a:t>Tekststijl van het model bewerken</a:t>
             </a:r>
           </a:p>
           <a:p>
             <a:pPr lvl="1"/>
             <a:r>
-              <a:rPr lang="nl-NL" smtClean="0"/>
+              <a:rPr lang="nl-NL"/>
               <a:t>Tweede niveau</a:t>
             </a:r>
           </a:p>
           <a:p>
             <a:pPr lvl="2"/>
             <a:r>
-              <a:rPr lang="nl-NL" smtClean="0"/>
+              <a:rPr lang="nl-NL"/>
               <a:t>Derde niveau</a:t>
             </a:r>
           </a:p>
           <a:p>
             <a:pPr lvl="3"/>
             <a:r>
-              <a:rPr lang="nl-NL" smtClean="0"/>
+              <a:rPr lang="nl-NL"/>
               <a:t>Vierde niveau</a:t>
             </a:r>
           </a:p>
           <a:p>
             <a:pPr lvl="4"/>
             <a:r>
-              <a:rPr lang="nl-NL" smtClean="0"/>
+              <a:rPr lang="nl-NL"/>
               <a:t>Vijfde niveau</a:t>
             </a:r>
-            <a:endParaRPr lang="nl-NL"/>
           </a:p>
         </p:txBody>
       </p:sp>
@@ -385,7 +384,7 @@
           <a:p>
             <a:fld id="{BDB174C5-BC08-4224-A40A-22F00B49D653}" type="slidenum">
               <a:rPr lang="nl-NL" smtClean="0"/>
-              <a:t>‹nr.›</a:t>
+              <a:t>‹#›</a:t>
             </a:fld>
             <a:endParaRPr lang="nl-NL"/>
           </a:p>
@@ -1541,7 +1540,6 @@
           <a:ln>
             <a:noFill/>
           </a:ln>
-          <a:extLst/>
         </p:spPr>
         <p:txBody>
           <a:bodyPr vert="horz" wrap="square" lIns="91440" tIns="45720" rIns="91440" bIns="45720" numCol="1" anchor="t" anchorCtr="0" compatLnSpc="1">
@@ -1580,7 +1578,6 @@
           <a:ln>
             <a:noFill/>
           </a:ln>
-          <a:extLst/>
         </p:spPr>
         <p:txBody>
           <a:bodyPr vert="horz" wrap="square" lIns="91440" tIns="45720" rIns="91440" bIns="45720" numCol="1" anchor="t" anchorCtr="0" compatLnSpc="1">
@@ -1618,7 +1615,6 @@
           <a:ln>
             <a:noFill/>
           </a:ln>
-          <a:extLst/>
         </p:spPr>
         <p:txBody>
           <a:bodyPr vert="horz" wrap="square" lIns="91440" tIns="45720" rIns="91440" bIns="45720" numCol="1" anchor="t" anchorCtr="0" compatLnSpc="1">
@@ -2174,10 +2170,9 @@
           </a:lstStyle>
           <a:p>
             <a:r>
-              <a:rPr lang="nl-NL" dirty="0" smtClean="0"/>
+              <a:rPr lang="nl-NL" dirty="0"/>
               <a:t>Klik om de stijl te bewerken</a:t>
             </a:r>
-            <a:endParaRPr lang="nl-NL" dirty="0"/>
           </a:p>
         </p:txBody>
       </p:sp>
@@ -2221,14 +2216,7 @@
   <p:clrMapOvr>
     <a:masterClrMapping/>
   </p:clrMapOvr>
-  <p:timing>
-    <p:tnLst>
-      <p:par>
-        <p:cTn id="1" dur="indefinite" restart="never" nodeType="tmRoot"/>
-      </p:par>
-    </p:tnLst>
-  </p:timing>
-  <p:extLst mod="1">
+  <p:extLst>
     <p:ext uri="{DCECCB84-F9BA-43D5-87BE-67443E8EF086}">
       <p15:sldGuideLst xmlns:p15="http://schemas.microsoft.com/office/powerpoint/2012/main">
         <p15:guide id="1" pos="2880" userDrawn="1">
@@ -2325,10 +2313,9 @@
           </a:lstStyle>
           <a:p>
             <a:r>
-              <a:rPr lang="nl-NL" dirty="0" smtClean="0"/>
+              <a:rPr lang="nl-NL" dirty="0"/>
               <a:t>Klik om de stijl te bewerken</a:t>
             </a:r>
-            <a:endParaRPr lang="nl-NL" dirty="0"/>
           </a:p>
         </p:txBody>
       </p:sp>
@@ -2375,38 +2362,37 @@
           <a:p>
             <a:pPr lvl="0"/>
             <a:r>
-              <a:rPr lang="nl-NL" dirty="0" smtClean="0"/>
+              <a:rPr lang="nl-NL" dirty="0"/>
               <a:t>Klik om de modelstijlen te bewerken</a:t>
             </a:r>
           </a:p>
           <a:p>
             <a:pPr lvl="1"/>
             <a:r>
-              <a:rPr lang="nl-NL" dirty="0" smtClean="0"/>
+              <a:rPr lang="nl-NL" dirty="0"/>
               <a:t>Tweede niveau</a:t>
             </a:r>
           </a:p>
           <a:p>
             <a:pPr lvl="2"/>
             <a:r>
-              <a:rPr lang="nl-NL" dirty="0" smtClean="0"/>
+              <a:rPr lang="nl-NL" dirty="0"/>
               <a:t>Derde niveau</a:t>
             </a:r>
           </a:p>
           <a:p>
             <a:pPr lvl="3"/>
             <a:r>
-              <a:rPr lang="nl-NL" dirty="0" smtClean="0"/>
+              <a:rPr lang="nl-NL" dirty="0"/>
               <a:t>Vierde niveau</a:t>
             </a:r>
           </a:p>
           <a:p>
             <a:pPr lvl="4"/>
             <a:r>
-              <a:rPr lang="nl-NL" dirty="0" smtClean="0"/>
+              <a:rPr lang="nl-NL" dirty="0"/>
               <a:t>Vijfde niveau</a:t>
             </a:r>
-            <a:endParaRPr lang="nl-NL" dirty="0"/>
           </a:p>
         </p:txBody>
       </p:sp>
@@ -2427,7 +2413,7 @@
           <a:p>
             <a:fld id="{7BA235B1-18DD-462C-A949-BABAC1961E4A}" type="datetime1">
               <a:rPr lang="nl-NL" smtClean="0"/>
-              <a:t>26-6-2020</a:t>
+              <a:t>25-04-2023</a:t>
             </a:fld>
             <a:endParaRPr lang="nl-NL"/>
           </a:p>
@@ -2449,10 +2435,9 @@
           <a:lstStyle/>
           <a:p>
             <a:r>
-              <a:rPr lang="nl-NL" smtClean="0"/>
+              <a:rPr lang="nl-NL"/>
               <a:t>Davinci College Middenkader Engineering</a:t>
             </a:r>
-            <a:endParaRPr lang="nl-NL"/>
           </a:p>
         </p:txBody>
       </p:sp>
@@ -2473,7 +2458,7 @@
           <a:p>
             <a:fld id="{E0DA6DDE-0033-49FF-BBC5-0D5ABC2DA1E7}" type="slidenum">
               <a:rPr lang="nl-NL" smtClean="0"/>
-              <a:t>‹nr.›</a:t>
+              <a:t>‹#›</a:t>
             </a:fld>
             <a:endParaRPr lang="nl-NL"/>
           </a:p>
@@ -2489,13 +2474,6 @@
   <p:clrMapOvr>
     <a:masterClrMapping/>
   </p:clrMapOvr>
-  <p:timing>
-    <p:tnLst>
-      <p:par>
-        <p:cTn id="1" dur="indefinite" restart="never" nodeType="tmRoot"/>
-      </p:par>
-    </p:tnLst>
-  </p:timing>
 </p:sldLayout>
 </file>
 
@@ -2576,10 +2554,9 @@
           </a:lstStyle>
           <a:p>
             <a:r>
-              <a:rPr lang="nl-NL" dirty="0" smtClean="0"/>
+              <a:rPr lang="nl-NL" dirty="0"/>
               <a:t>Klik om de stijl te bewerken</a:t>
             </a:r>
-            <a:endParaRPr lang="nl-NL" dirty="0"/>
           </a:p>
         </p:txBody>
       </p:sp>
@@ -2626,38 +2603,37 @@
           <a:p>
             <a:pPr lvl="0"/>
             <a:r>
-              <a:rPr lang="nl-NL" dirty="0" smtClean="0"/>
+              <a:rPr lang="nl-NL" dirty="0"/>
               <a:t>Klik om de modelstijlen te bewerken</a:t>
             </a:r>
           </a:p>
           <a:p>
             <a:pPr lvl="1"/>
             <a:r>
-              <a:rPr lang="nl-NL" dirty="0" smtClean="0"/>
+              <a:rPr lang="nl-NL" dirty="0"/>
               <a:t>Tweede niveau</a:t>
             </a:r>
           </a:p>
           <a:p>
             <a:pPr lvl="2"/>
             <a:r>
-              <a:rPr lang="nl-NL" dirty="0" smtClean="0"/>
+              <a:rPr lang="nl-NL" dirty="0"/>
               <a:t>Derde niveau</a:t>
             </a:r>
           </a:p>
           <a:p>
             <a:pPr lvl="3"/>
             <a:r>
-              <a:rPr lang="nl-NL" dirty="0" smtClean="0"/>
+              <a:rPr lang="nl-NL" dirty="0"/>
               <a:t>Vierde niveau</a:t>
             </a:r>
           </a:p>
           <a:p>
             <a:pPr lvl="4"/>
             <a:r>
-              <a:rPr lang="nl-NL" dirty="0" smtClean="0"/>
+              <a:rPr lang="nl-NL" dirty="0"/>
               <a:t>Vijfde niveau</a:t>
             </a:r>
-            <a:endParaRPr lang="nl-NL" dirty="0"/>
           </a:p>
         </p:txBody>
       </p:sp>
@@ -2678,7 +2654,7 @@
           <a:p>
             <a:fld id="{786CCCF5-D45A-4A76-AF98-3A08C0AC2EA8}" type="datetime1">
               <a:rPr lang="nl-NL" smtClean="0"/>
-              <a:t>26-6-2020</a:t>
+              <a:t>25-04-2023</a:t>
             </a:fld>
             <a:endParaRPr lang="nl-NL"/>
           </a:p>
@@ -2700,10 +2676,9 @@
           <a:lstStyle/>
           <a:p>
             <a:r>
-              <a:rPr lang="nl-NL" smtClean="0"/>
+              <a:rPr lang="nl-NL"/>
               <a:t>Davinci College Middenkader Engineering</a:t>
             </a:r>
-            <a:endParaRPr lang="nl-NL"/>
           </a:p>
         </p:txBody>
       </p:sp>
@@ -2724,7 +2699,7 @@
           <a:p>
             <a:fld id="{E0DA6DDE-0033-49FF-BBC5-0D5ABC2DA1E7}" type="slidenum">
               <a:rPr lang="nl-NL" smtClean="0"/>
-              <a:t>‹nr.›</a:t>
+              <a:t>‹#›</a:t>
             </a:fld>
             <a:endParaRPr lang="nl-NL"/>
           </a:p>
@@ -2740,13 +2715,6 @@
   <p:clrMapOvr>
     <a:masterClrMapping/>
   </p:clrMapOvr>
-  <p:timing>
-    <p:tnLst>
-      <p:par>
-        <p:cTn id="1" dur="indefinite" restart="never" nodeType="tmRoot"/>
-      </p:par>
-    </p:tnLst>
-  </p:timing>
 </p:sldLayout>
 </file>
 
@@ -2798,10 +2766,9 @@
           <a:lstStyle/>
           <a:p>
             <a:r>
-              <a:rPr lang="nl-NL" dirty="0" smtClean="0"/>
+              <a:rPr lang="nl-NL" dirty="0"/>
               <a:t>Klik om de stijl te bewerken</a:t>
             </a:r>
-            <a:endParaRPr lang="nl-NL" dirty="0"/>
           </a:p>
         </p:txBody>
       </p:sp>
@@ -2832,38 +2799,37 @@
           <a:p>
             <a:pPr lvl="0"/>
             <a:r>
-              <a:rPr lang="nl-NL" dirty="0" smtClean="0"/>
+              <a:rPr lang="nl-NL" dirty="0"/>
               <a:t>Klik om de modelstijlen te bewerken</a:t>
             </a:r>
           </a:p>
           <a:p>
             <a:pPr lvl="1"/>
             <a:r>
-              <a:rPr lang="nl-NL" dirty="0" smtClean="0"/>
+              <a:rPr lang="nl-NL" dirty="0"/>
               <a:t>Tweede niveau</a:t>
             </a:r>
           </a:p>
           <a:p>
             <a:pPr lvl="2"/>
             <a:r>
-              <a:rPr lang="nl-NL" dirty="0" smtClean="0"/>
+              <a:rPr lang="nl-NL" dirty="0"/>
               <a:t>Derde niveau</a:t>
             </a:r>
           </a:p>
           <a:p>
             <a:pPr lvl="3"/>
             <a:r>
-              <a:rPr lang="nl-NL" dirty="0" smtClean="0"/>
+              <a:rPr lang="nl-NL" dirty="0"/>
               <a:t>Vierde niveau</a:t>
             </a:r>
           </a:p>
           <a:p>
             <a:pPr lvl="4"/>
             <a:r>
-              <a:rPr lang="nl-NL" dirty="0" smtClean="0"/>
+              <a:rPr lang="nl-NL" dirty="0"/>
               <a:t>Vijfde niveau</a:t>
             </a:r>
-            <a:endParaRPr lang="nl-NL" dirty="0"/>
           </a:p>
         </p:txBody>
       </p:sp>
@@ -2902,7 +2868,7 @@
           <a:p>
             <a:fld id="{F2C2C4F7-5FD1-457D-A0A4-0EB2893B39BD}" type="datetime1">
               <a:rPr lang="nl-NL" smtClean="0"/>
-              <a:t>26-6-2020</a:t>
+              <a:t>25-04-2023</a:t>
             </a:fld>
             <a:endParaRPr lang="nl-NL"/>
           </a:p>
@@ -2942,10 +2908,9 @@
           </a:lstStyle>
           <a:p>
             <a:r>
-              <a:rPr lang="nl-NL" smtClean="0"/>
+              <a:rPr lang="nl-NL"/>
               <a:t>Davinci College Middenkader Engineering</a:t>
             </a:r>
-            <a:endParaRPr lang="nl-NL"/>
           </a:p>
         </p:txBody>
       </p:sp>
@@ -2984,7 +2949,7 @@
           <a:p>
             <a:fld id="{E0DA6DDE-0033-49FF-BBC5-0D5ABC2DA1E7}" type="slidenum">
               <a:rPr lang="nl-NL" smtClean="0"/>
-              <a:t>‹nr.›</a:t>
+              <a:t>‹#›</a:t>
             </a:fld>
             <a:endParaRPr lang="nl-NL"/>
           </a:p>
@@ -3004,13 +2969,6 @@
     <p:sldLayoutId id="2147483665" r:id="rId3"/>
     <p:sldLayoutId id="2147483667" r:id="rId4"/>
   </p:sldLayoutIdLst>
-  <p:timing>
-    <p:tnLst>
-      <p:par>
-        <p:cTn id="1" dur="indefinite" restart="never" nodeType="tmRoot"/>
-      </p:par>
-    </p:tnLst>
-  </p:timing>
   <p:hf hdr="0"/>
   <p:txStyles>
     <p:titleStyle>
@@ -3364,7 +3322,7 @@
           <a:p>
             <a:pPr algn="l"/>
             <a:r>
-              <a:rPr lang="nl-NL" sz="3300" dirty="0" smtClean="0">
+              <a:rPr lang="nl-NL" sz="3300" dirty="0">
                 <a:solidFill>
                   <a:srgbClr val="0070C0"/>
                 </a:solidFill>
@@ -3375,7 +3333,7 @@
           <a:p>
             <a:pPr algn="l"/>
             <a:r>
-              <a:rPr lang="nl-NL" sz="1600" b="0" dirty="0" smtClean="0">
+              <a:rPr lang="nl-NL" sz="1600" b="0" dirty="0">
                 <a:solidFill>
                   <a:srgbClr val="0070C0"/>
                 </a:solidFill>
@@ -3385,7 +3343,7 @@
               <a:t>Middenkader Engineering</a:t>
             </a:r>
             <a:br>
-              <a:rPr lang="nl-NL" sz="1600" b="0" dirty="0" smtClean="0">
+              <a:rPr lang="nl-NL" sz="1600" b="0" dirty="0">
                 <a:solidFill>
                   <a:srgbClr val="0070C0"/>
                 </a:solidFill>
@@ -3394,7 +3352,7 @@
               </a:rPr>
             </a:br>
             <a:r>
-              <a:rPr lang="nl-NL" sz="1600" b="0" dirty="0" smtClean="0">
+              <a:rPr lang="nl-NL" sz="1600" b="0" dirty="0">
                 <a:solidFill>
                   <a:srgbClr val="0070C0"/>
                 </a:solidFill>
@@ -3403,13 +3361,6 @@
               </a:rPr>
               <a:t>Peter van der Linden</a:t>
             </a:r>
-            <a:endParaRPr lang="nl-NL" sz="1600" b="0" dirty="0">
-              <a:solidFill>
-                <a:srgbClr val="0070C0"/>
-              </a:solidFill>
-              <a:latin typeface="Arial" panose="020B0604020202020204" pitchFamily="34" charset="0"/>
-              <a:cs typeface="Arial" panose="020B0604020202020204" pitchFamily="34" charset="0"/>
-            </a:endParaRPr>
           </a:p>
         </p:txBody>
       </p:sp>
@@ -3439,7 +3390,7 @@
           <a:lstStyle/>
           <a:p>
             <a:r>
-              <a:rPr lang="nl-NL" sz="3200" dirty="0" smtClean="0">
+              <a:rPr lang="nl-NL" sz="3200" dirty="0">
                 <a:solidFill>
                   <a:srgbClr val="0070C0"/>
                 </a:solidFill>
@@ -3447,25 +3398,20 @@
               <a:t>Ontwerpen (huisinstallatie)</a:t>
             </a:r>
             <a:br>
-              <a:rPr lang="nl-NL" sz="3200" dirty="0" smtClean="0">
+              <a:rPr lang="nl-NL" sz="3200" dirty="0">
                 <a:solidFill>
                   <a:srgbClr val="0070C0"/>
                 </a:solidFill>
               </a:rPr>
             </a:br>
             <a:r>
-              <a:rPr lang="nl-NL" sz="3200" dirty="0" smtClean="0">
+              <a:rPr lang="nl-NL" sz="3200" dirty="0">
                 <a:solidFill>
                   <a:srgbClr val="0070C0"/>
                 </a:solidFill>
               </a:rPr>
               <a:t>H1.1-1.2 Bestek en Indeling meterkast</a:t>
             </a:r>
-            <a:endParaRPr lang="nl-NL" sz="3200" dirty="0">
-              <a:solidFill>
-                <a:srgbClr val="0070C0"/>
-              </a:solidFill>
-            </a:endParaRPr>
           </a:p>
         </p:txBody>
       </p:sp>
@@ -3503,13 +3449,6 @@
   <p:clrMapOvr>
     <a:masterClrMapping/>
   </p:clrMapOvr>
-  <p:timing>
-    <p:tnLst>
-      <p:par>
-        <p:cTn id="1" dur="indefinite" restart="never" nodeType="tmRoot"/>
-      </p:par>
-    </p:tnLst>
-  </p:timing>
 </p:sld>
 </file>
 
@@ -3551,26 +3490,13 @@
           <a:lstStyle/>
           <a:p>
             <a:r>
-              <a:rPr lang="nl-NL" dirty="0" smtClean="0">
-                <a:solidFill>
-                  <a:srgbClr val="0070C0"/>
-                </a:solidFill>
-              </a:rPr>
-              <a:t>1.1.7 </a:t>
-            </a:r>
-            <a:r>
-              <a:rPr lang="nl-NL" dirty="0" smtClean="0">
-                <a:solidFill>
-                  <a:srgbClr val="0070C0"/>
-                </a:solidFill>
-              </a:rPr>
-              <a:t>NEN voorschriften</a:t>
-            </a:r>
-            <a:endParaRPr lang="nl-NL" dirty="0">
-              <a:solidFill>
-                <a:srgbClr val="0070C0"/>
-              </a:solidFill>
-            </a:endParaRPr>
+              <a:rPr lang="nl-NL" dirty="0">
+                <a:solidFill>
+                  <a:srgbClr val="0070C0"/>
+                </a:solidFill>
+              </a:rPr>
+              <a:t>1.1.7 NEN voorschriften</a:t>
+            </a:r>
           </a:p>
         </p:txBody>
       </p:sp>
@@ -3602,7 +3528,7 @@
                 </a:solidFill>
               </a:rPr>
               <a:pPr algn="r"/>
-              <a:t>26-6-2020</a:t>
+              <a:t>25-04-2023</a:t>
             </a:fld>
             <a:endParaRPr lang="nl-NL" dirty="0">
               <a:solidFill>
@@ -3638,21 +3564,8 @@
                   <a:srgbClr val="0070C0"/>
                 </a:solidFill>
               </a:rPr>
-              <a:t>d</a:t>
-            </a:r>
-            <a:r>
-              <a:rPr lang="nl-NL" b="1" dirty="0" smtClean="0">
-                <a:solidFill>
-                  <a:srgbClr val="0070C0"/>
-                </a:solidFill>
-              </a:rPr>
-              <a:t>a Vinci college Middenkader Engineering</a:t>
-            </a:r>
-            <a:endParaRPr lang="nl-NL" b="1" dirty="0">
-              <a:solidFill>
-                <a:srgbClr val="0070C0"/>
-              </a:solidFill>
-            </a:endParaRPr>
+              <a:t>da Vinci college Middenkader Engineering</a:t>
+            </a:r>
           </a:p>
         </p:txBody>
       </p:sp>
@@ -4024,12 +3937,12 @@
           </a:lstStyle>
           <a:p>
             <a:pPr lvl="1"/>
-            <a:endParaRPr lang="nl-NL" dirty="0" smtClean="0"/>
+            <a:endParaRPr lang="nl-NL" dirty="0"/>
           </a:p>
           <a:p>
             <a:pPr lvl="1" algn="just"/>
             <a:r>
-              <a:rPr lang="nl-NL" b="1" dirty="0" smtClean="0">
+              <a:rPr lang="nl-NL" b="1" dirty="0">
                 <a:solidFill>
                   <a:srgbClr val="00589A"/>
                 </a:solidFill>
@@ -4042,49 +3955,49 @@
               <a:buFont typeface="Arial" pitchFamily="34" charset="0"/>
               <a:buChar char="•"/>
             </a:pPr>
-            <a:endParaRPr lang="nl-NL" dirty="0" smtClean="0"/>
+            <a:endParaRPr lang="nl-NL" dirty="0"/>
           </a:p>
           <a:p>
             <a:pPr lvl="1"/>
-            <a:endParaRPr lang="nl-NL" dirty="0" smtClean="0"/>
+            <a:endParaRPr lang="nl-NL" dirty="0"/>
           </a:p>
           <a:p>
             <a:pPr lvl="1"/>
-            <a:endParaRPr lang="nl-NL" dirty="0" smtClean="0"/>
+            <a:endParaRPr lang="nl-NL" dirty="0"/>
           </a:p>
           <a:p>
             <a:pPr lvl="1"/>
-            <a:endParaRPr lang="nl-NL" dirty="0" smtClean="0"/>
+            <a:endParaRPr lang="nl-NL" dirty="0"/>
           </a:p>
           <a:p>
             <a:pPr lvl="1"/>
-            <a:endParaRPr lang="nl-NL" dirty="0" smtClean="0"/>
+            <a:endParaRPr lang="nl-NL" dirty="0"/>
           </a:p>
           <a:p>
             <a:pPr lvl="1"/>
-            <a:endParaRPr lang="nl-NL" dirty="0" smtClean="0"/>
+            <a:endParaRPr lang="nl-NL" dirty="0"/>
           </a:p>
           <a:p>
             <a:pPr lvl="1"/>
-            <a:endParaRPr lang="nl-NL" dirty="0" smtClean="0"/>
+            <a:endParaRPr lang="nl-NL" dirty="0"/>
           </a:p>
           <a:p>
             <a:pPr lvl="1"/>
-            <a:endParaRPr lang="nl-NL" dirty="0" smtClean="0">
+            <a:endParaRPr lang="nl-NL" dirty="0">
               <a:sym typeface="Wingdings" panose="05000000000000000000" pitchFamily="2" charset="2"/>
             </a:endParaRPr>
           </a:p>
           <a:p>
             <a:pPr lvl="1"/>
-            <a:endParaRPr lang="nl-NL" dirty="0" smtClean="0"/>
+            <a:endParaRPr lang="nl-NL" dirty="0"/>
           </a:p>
           <a:p>
             <a:pPr lvl="1"/>
-            <a:endParaRPr lang="nl-NL" dirty="0" smtClean="0"/>
+            <a:endParaRPr lang="nl-NL" dirty="0"/>
           </a:p>
           <a:p>
             <a:pPr lvl="2"/>
-            <a:endParaRPr lang="nl-NL" dirty="0" smtClean="0"/>
+            <a:endParaRPr lang="nl-NL" dirty="0"/>
           </a:p>
           <a:p>
             <a:endParaRPr lang="nl-NL" dirty="0"/>
@@ -4152,13 +4065,6 @@
   <p:clrMapOvr>
     <a:masterClrMapping/>
   </p:clrMapOvr>
-  <p:timing>
-    <p:tnLst>
-      <p:par>
-        <p:cTn id="1" dur="indefinite" restart="never" nodeType="tmRoot"/>
-      </p:par>
-    </p:tnLst>
-  </p:timing>
 </p:sld>
 </file>
 
@@ -4200,26 +4106,13 @@
           <a:lstStyle/>
           <a:p>
             <a:r>
-              <a:rPr lang="nl-NL" dirty="0" smtClean="0">
-                <a:solidFill>
-                  <a:srgbClr val="0070C0"/>
-                </a:solidFill>
-              </a:rPr>
-              <a:t>1.2.8 </a:t>
-            </a:r>
-            <a:r>
-              <a:rPr lang="nl-NL" dirty="0" smtClean="0">
-                <a:solidFill>
-                  <a:srgbClr val="0070C0"/>
-                </a:solidFill>
-              </a:rPr>
-              <a:t>Bouwbesluit</a:t>
-            </a:r>
-            <a:endParaRPr lang="nl-NL" dirty="0">
-              <a:solidFill>
-                <a:srgbClr val="0070C0"/>
-              </a:solidFill>
-            </a:endParaRPr>
+              <a:rPr lang="nl-NL" dirty="0">
+                <a:solidFill>
+                  <a:srgbClr val="0070C0"/>
+                </a:solidFill>
+              </a:rPr>
+              <a:t>1.2.8 Bouwbesluit</a:t>
+            </a:r>
           </a:p>
         </p:txBody>
       </p:sp>
@@ -4251,7 +4144,7 @@
                 </a:solidFill>
               </a:rPr>
               <a:pPr algn="r"/>
-              <a:t>26-6-2020</a:t>
+              <a:t>25-04-2023</a:t>
             </a:fld>
             <a:endParaRPr lang="nl-NL" dirty="0">
               <a:solidFill>
@@ -4287,21 +4180,8 @@
                   <a:srgbClr val="0070C0"/>
                 </a:solidFill>
               </a:rPr>
-              <a:t>d</a:t>
-            </a:r>
-            <a:r>
-              <a:rPr lang="nl-NL" b="1" dirty="0" smtClean="0">
-                <a:solidFill>
-                  <a:srgbClr val="0070C0"/>
-                </a:solidFill>
-              </a:rPr>
-              <a:t>a Vinci college Middenkader Engineering</a:t>
-            </a:r>
-            <a:endParaRPr lang="nl-NL" b="1" dirty="0">
-              <a:solidFill>
-                <a:srgbClr val="0070C0"/>
-              </a:solidFill>
-            </a:endParaRPr>
+              <a:t>da Vinci college Middenkader Engineering</a:t>
+            </a:r>
           </a:p>
         </p:txBody>
       </p:sp>
@@ -4367,7 +4247,7 @@
               <a:buNone/>
             </a:pPr>
             <a:r>
-              <a:rPr lang="nl-NL" sz="1600" dirty="0" smtClean="0">
+              <a:rPr lang="nl-NL" sz="1600" dirty="0">
                 <a:solidFill>
                   <a:srgbClr val="0070C0"/>
                 </a:solidFill>
@@ -4390,7 +4270,7 @@
               <a:buNone/>
             </a:pPr>
             <a:r>
-              <a:rPr lang="nl-NL" sz="1600" dirty="0" smtClean="0">
+              <a:rPr lang="nl-NL" sz="1600" dirty="0">
                 <a:solidFill>
                   <a:srgbClr val="0070C0"/>
                 </a:solidFill>
@@ -4413,20 +4293,12 @@
               <a:buNone/>
             </a:pPr>
             <a:r>
-              <a:rPr lang="nl-NL" sz="1600" dirty="0" smtClean="0">
-                <a:solidFill>
-                  <a:srgbClr val="0070C0"/>
-                </a:solidFill>
-              </a:rPr>
-              <a:t>Meterkast </a:t>
-            </a:r>
-            <a:r>
-              <a:rPr lang="nl-NL" sz="1600" dirty="0">
-                <a:solidFill>
-                  <a:srgbClr val="0070C0"/>
-                </a:solidFill>
-              </a:rPr>
-              <a:t>zone indeling (gas, water, elektro)</a:t>
+              <a:rPr lang="nl-NL" sz="1600" dirty="0">
+                <a:solidFill>
+                  <a:srgbClr val="0070C0"/>
+                </a:solidFill>
+              </a:rPr>
+              <a:t>Meterkast zone indeling (gas, water, elektro)</a:t>
             </a:r>
           </a:p>
           <a:p>
@@ -4574,13 +4446,6 @@
   <p:clrMapOvr>
     <a:masterClrMapping/>
   </p:clrMapOvr>
-  <p:timing>
-    <p:tnLst>
-      <p:par>
-        <p:cTn id="1" dur="indefinite" restart="never" nodeType="tmRoot"/>
-      </p:par>
-    </p:tnLst>
-  </p:timing>
 </p:sld>
 </file>
 
@@ -4622,26 +4487,13 @@
           <a:lstStyle/>
           <a:p>
             <a:r>
-              <a:rPr lang="nl-NL" dirty="0" smtClean="0">
-                <a:solidFill>
-                  <a:srgbClr val="0070C0"/>
-                </a:solidFill>
-              </a:rPr>
-              <a:t>1.2.9 </a:t>
-            </a:r>
-            <a:r>
-              <a:rPr lang="nl-NL" dirty="0" smtClean="0">
-                <a:solidFill>
-                  <a:srgbClr val="0070C0"/>
-                </a:solidFill>
-              </a:rPr>
-              <a:t>Ontwerp meterkast</a:t>
-            </a:r>
-            <a:endParaRPr lang="nl-NL" dirty="0">
-              <a:solidFill>
-                <a:srgbClr val="0070C0"/>
-              </a:solidFill>
-            </a:endParaRPr>
+              <a:rPr lang="nl-NL" dirty="0">
+                <a:solidFill>
+                  <a:srgbClr val="0070C0"/>
+                </a:solidFill>
+              </a:rPr>
+              <a:t>1.2.9 Ontwerp meterkast</a:t>
+            </a:r>
           </a:p>
         </p:txBody>
       </p:sp>
@@ -4673,7 +4525,7 @@
                 </a:solidFill>
               </a:rPr>
               <a:pPr algn="r"/>
-              <a:t>26-6-2020</a:t>
+              <a:t>25-04-2023</a:t>
             </a:fld>
             <a:endParaRPr lang="nl-NL" dirty="0">
               <a:solidFill>
@@ -4709,21 +4561,8 @@
                   <a:srgbClr val="0070C0"/>
                 </a:solidFill>
               </a:rPr>
-              <a:t>d</a:t>
-            </a:r>
-            <a:r>
-              <a:rPr lang="nl-NL" b="1" dirty="0" smtClean="0">
-                <a:solidFill>
-                  <a:srgbClr val="0070C0"/>
-                </a:solidFill>
-              </a:rPr>
-              <a:t>a Vinci college Middenkader Engineering</a:t>
-            </a:r>
-            <a:endParaRPr lang="nl-NL" b="1" dirty="0">
-              <a:solidFill>
-                <a:srgbClr val="0070C0"/>
-              </a:solidFill>
-            </a:endParaRPr>
+              <a:t>da Vinci college Middenkader Engineering</a:t>
+            </a:r>
           </a:p>
         </p:txBody>
       </p:sp>
@@ -4906,13 +4745,6 @@
   <p:clrMapOvr>
     <a:masterClrMapping/>
   </p:clrMapOvr>
-  <p:timing>
-    <p:tnLst>
-      <p:par>
-        <p:cTn id="1" dur="indefinite" restart="never" nodeType="tmRoot"/>
-      </p:par>
-    </p:tnLst>
-  </p:timing>
 </p:sld>
 </file>
 
@@ -4954,26 +4786,13 @@
           <a:lstStyle/>
           <a:p>
             <a:r>
-              <a:rPr lang="nl-NL" dirty="0" smtClean="0">
-                <a:solidFill>
-                  <a:srgbClr val="0070C0"/>
-                </a:solidFill>
-              </a:rPr>
-              <a:t>1.2.10 </a:t>
-            </a:r>
-            <a:r>
-              <a:rPr lang="nl-NL" dirty="0" smtClean="0">
-                <a:solidFill>
-                  <a:srgbClr val="0070C0"/>
-                </a:solidFill>
-              </a:rPr>
-              <a:t>Invoer van elektrische leidingen</a:t>
-            </a:r>
-            <a:endParaRPr lang="nl-NL" dirty="0">
-              <a:solidFill>
-                <a:srgbClr val="0070C0"/>
-              </a:solidFill>
-            </a:endParaRPr>
+              <a:rPr lang="nl-NL" dirty="0">
+                <a:solidFill>
+                  <a:srgbClr val="0070C0"/>
+                </a:solidFill>
+              </a:rPr>
+              <a:t>1.2.10 Invoer van elektrische leidingen</a:t>
+            </a:r>
           </a:p>
         </p:txBody>
       </p:sp>
@@ -5005,7 +4824,7 @@
                 </a:solidFill>
               </a:rPr>
               <a:pPr algn="r"/>
-              <a:t>26-6-2020</a:t>
+              <a:t>25-04-2023</a:t>
             </a:fld>
             <a:endParaRPr lang="nl-NL" dirty="0">
               <a:solidFill>
@@ -5041,21 +4860,8 @@
                   <a:srgbClr val="0070C0"/>
                 </a:solidFill>
               </a:rPr>
-              <a:t>d</a:t>
-            </a:r>
-            <a:r>
-              <a:rPr lang="nl-NL" b="1" dirty="0" smtClean="0">
-                <a:solidFill>
-                  <a:srgbClr val="0070C0"/>
-                </a:solidFill>
-              </a:rPr>
-              <a:t>a Vinci college Middenkader Engineering</a:t>
-            </a:r>
-            <a:endParaRPr lang="nl-NL" b="1" dirty="0">
-              <a:solidFill>
-                <a:srgbClr val="0070C0"/>
-              </a:solidFill>
-            </a:endParaRPr>
+              <a:t>da Vinci college Middenkader Engineering</a:t>
+            </a:r>
           </a:p>
         </p:txBody>
       </p:sp>
@@ -5132,36 +4938,23 @@
           <a:p>
             <a:pPr lvl="1"/>
             <a:r>
-              <a:rPr lang="nl-NL" sz="1600" dirty="0" smtClean="0">
+              <a:rPr lang="nl-NL" sz="1600" dirty="0">
                 <a:solidFill>
                   <a:srgbClr val="0070C0"/>
                 </a:solidFill>
               </a:rPr>
               <a:t>Voorkeur</a:t>
             </a:r>
-            <a:endParaRPr lang="nl-NL" sz="1600" dirty="0">
-              <a:solidFill>
-                <a:srgbClr val="0070C0"/>
-              </a:solidFill>
-            </a:endParaRPr>
           </a:p>
           <a:p>
             <a:pPr lvl="1"/>
             <a:r>
-              <a:rPr lang="nl-NL" sz="1600" dirty="0" smtClean="0">
-                <a:solidFill>
-                  <a:srgbClr val="0070C0"/>
-                </a:solidFill>
-              </a:rPr>
-              <a:t>2100mm </a:t>
-            </a:r>
-            <a:r>
-              <a:rPr lang="nl-NL" sz="1600" dirty="0">
-                <a:solidFill>
-                  <a:srgbClr val="0070C0"/>
-                </a:solidFill>
-              </a:rPr>
-              <a:t>(IL)</a:t>
+              <a:rPr lang="nl-NL" sz="1600" dirty="0">
+                <a:solidFill>
+                  <a:srgbClr val="0070C0"/>
+                </a:solidFill>
+              </a:rPr>
+              <a:t>2100mm (IL)</a:t>
             </a:r>
           </a:p>
           <a:p>
@@ -5240,39 +5033,23 @@
           <a:p>
             <a:pPr lvl="1"/>
             <a:r>
-              <a:rPr lang="nl-NL" sz="1600" dirty="0" smtClean="0">
-                <a:solidFill>
-                  <a:srgbClr val="0070C0"/>
-                </a:solidFill>
-              </a:rPr>
-              <a:t>Langs </a:t>
-            </a:r>
-            <a:r>
-              <a:rPr lang="nl-NL" sz="1600" dirty="0">
-                <a:solidFill>
-                  <a:srgbClr val="0070C0"/>
-                </a:solidFill>
-              </a:rPr>
-              <a:t>achterzijde of zijkant</a:t>
+              <a:rPr lang="nl-NL" sz="1600" dirty="0">
+                <a:solidFill>
+                  <a:srgbClr val="0070C0"/>
+                </a:solidFill>
+              </a:rPr>
+              <a:t>Langs achterzijde of zijkant</a:t>
             </a:r>
           </a:p>
           <a:p>
             <a:pPr lvl="1"/>
             <a:r>
-              <a:rPr lang="nl-NL" sz="1600" dirty="0" smtClean="0">
-                <a:solidFill>
-                  <a:srgbClr val="0070C0"/>
-                </a:solidFill>
-              </a:rPr>
-              <a:t>Zone </a:t>
-            </a:r>
-            <a:r>
-              <a:rPr lang="nl-NL" sz="1600" dirty="0">
-                <a:solidFill>
-                  <a:srgbClr val="0070C0"/>
-                </a:solidFill>
-              </a:rPr>
-              <a:t>0-660mm</a:t>
+              <a:rPr lang="nl-NL" sz="1600" dirty="0">
+                <a:solidFill>
+                  <a:srgbClr val="0070C0"/>
+                </a:solidFill>
+              </a:rPr>
+              <a:t>Zone 0-660mm</a:t>
             </a:r>
           </a:p>
         </p:txBody>
@@ -5499,13 +5276,6 @@
   <p:clrMapOvr>
     <a:masterClrMapping/>
   </p:clrMapOvr>
-  <p:timing>
-    <p:tnLst>
-      <p:par>
-        <p:cTn id="1" dur="indefinite" restart="never" nodeType="tmRoot"/>
-      </p:par>
-    </p:tnLst>
-  </p:timing>
 </p:sld>
 </file>
 
@@ -5547,26 +5317,13 @@
           <a:lstStyle/>
           <a:p>
             <a:r>
-              <a:rPr lang="nl-NL" dirty="0" smtClean="0">
-                <a:solidFill>
-                  <a:srgbClr val="0070C0"/>
-                </a:solidFill>
-              </a:rPr>
-              <a:t>1.2.11 </a:t>
-            </a:r>
-            <a:r>
-              <a:rPr lang="nl-NL" dirty="0" smtClean="0">
-                <a:solidFill>
-                  <a:srgbClr val="0070C0"/>
-                </a:solidFill>
-              </a:rPr>
-              <a:t>Zone indeling meterkast</a:t>
-            </a:r>
-            <a:endParaRPr lang="nl-NL" dirty="0">
-              <a:solidFill>
-                <a:srgbClr val="0070C0"/>
-              </a:solidFill>
-            </a:endParaRPr>
+              <a:rPr lang="nl-NL" dirty="0">
+                <a:solidFill>
+                  <a:srgbClr val="0070C0"/>
+                </a:solidFill>
+              </a:rPr>
+              <a:t>1.2.11 Zone indeling meterkast</a:t>
+            </a:r>
           </a:p>
         </p:txBody>
       </p:sp>
@@ -5598,7 +5355,7 @@
                 </a:solidFill>
               </a:rPr>
               <a:pPr algn="r"/>
-              <a:t>26-6-2020</a:t>
+              <a:t>25-04-2023</a:t>
             </a:fld>
             <a:endParaRPr lang="nl-NL" dirty="0">
               <a:solidFill>
@@ -5634,21 +5391,8 @@
                   <a:srgbClr val="0070C0"/>
                 </a:solidFill>
               </a:rPr>
-              <a:t>d</a:t>
-            </a:r>
-            <a:r>
-              <a:rPr lang="nl-NL" b="1" dirty="0" smtClean="0">
-                <a:solidFill>
-                  <a:srgbClr val="0070C0"/>
-                </a:solidFill>
-              </a:rPr>
-              <a:t>a Vinci college Middenkader Engineering</a:t>
-            </a:r>
-            <a:endParaRPr lang="nl-NL" b="1" dirty="0">
-              <a:solidFill>
-                <a:srgbClr val="0070C0"/>
-              </a:solidFill>
-            </a:endParaRPr>
+              <a:t>da Vinci college Middenkader Engineering</a:t>
+            </a:r>
           </a:p>
         </p:txBody>
       </p:sp>
@@ -5700,7 +5444,7 @@
         </p:nvSpPr>
         <p:spPr>
           <a:xfrm>
-            <a:off x="611560" y="1484784"/>
+            <a:off x="611560" y="1507461"/>
             <a:ext cx="8424936" cy="4968552"/>
           </a:xfrm>
         </p:spPr>
@@ -6113,7 +5857,7 @@
           <a:lstStyle/>
           <a:p>
             <a:r>
-              <a:rPr lang="nl-NL" sz="1600" dirty="0" smtClean="0">
+              <a:rPr lang="nl-NL" sz="1600" dirty="0">
                 <a:solidFill>
                   <a:srgbClr val="FF0000"/>
                 </a:solidFill>
@@ -6151,7 +5895,7 @@
           <a:lstStyle/>
           <a:p>
             <a:r>
-              <a:rPr lang="nl-NL" sz="1600" dirty="0" smtClean="0">
+              <a:rPr lang="nl-NL" sz="1600" dirty="0">
                 <a:solidFill>
                   <a:srgbClr val="FF0000"/>
                 </a:solidFill>
@@ -6189,7 +5933,7 @@
           <a:lstStyle/>
           <a:p>
             <a:r>
-              <a:rPr lang="nl-NL" sz="1600" dirty="0" smtClean="0">
+              <a:rPr lang="nl-NL" sz="1600" dirty="0">
                 <a:solidFill>
                   <a:srgbClr val="FF0000"/>
                 </a:solidFill>
@@ -6232,15 +5976,7 @@
                   <a:srgbClr val="FF0000"/>
                 </a:solidFill>
               </a:rPr>
-              <a:t>G</a:t>
-            </a:r>
-            <a:r>
-              <a:rPr lang="nl-NL" sz="1600" dirty="0" smtClean="0">
-                <a:solidFill>
-                  <a:srgbClr val="FF0000"/>
-                </a:solidFill>
-              </a:rPr>
-              <a:t>M</a:t>
+              <a:t>GM</a:t>
             </a:r>
             <a:endParaRPr lang="nl-NL" dirty="0">
               <a:solidFill>
@@ -6273,7 +6009,7 @@
           <a:lstStyle/>
           <a:p>
             <a:r>
-              <a:rPr lang="nl-NL" sz="1600" dirty="0" smtClean="0">
+              <a:rPr lang="nl-NL" sz="1600" dirty="0">
                 <a:solidFill>
                   <a:srgbClr val="FF0000"/>
                 </a:solidFill>
@@ -6298,13 +6034,6 @@
   <p:clrMapOvr>
     <a:masterClrMapping/>
   </p:clrMapOvr>
-  <p:timing>
-    <p:tnLst>
-      <p:par>
-        <p:cTn id="1" dur="indefinite" restart="never" nodeType="tmRoot"/>
-      </p:par>
-    </p:tnLst>
-  </p:timing>
 </p:sld>
 </file>
 
@@ -6346,26 +6075,13 @@
           <a:lstStyle/>
           <a:p>
             <a:r>
-              <a:rPr lang="nl-NL" dirty="0" smtClean="0">
-                <a:solidFill>
-                  <a:srgbClr val="0070C0"/>
-                </a:solidFill>
-              </a:rPr>
-              <a:t>1.12 </a:t>
-            </a:r>
-            <a:r>
-              <a:rPr lang="nl-NL" dirty="0" smtClean="0">
-                <a:solidFill>
-                  <a:srgbClr val="0070C0"/>
-                </a:solidFill>
-              </a:rPr>
-              <a:t>Vragen</a:t>
-            </a:r>
-            <a:endParaRPr lang="nl-NL" dirty="0">
-              <a:solidFill>
-                <a:srgbClr val="0070C0"/>
-              </a:solidFill>
-            </a:endParaRPr>
+              <a:rPr lang="nl-NL" dirty="0">
+                <a:solidFill>
+                  <a:srgbClr val="0070C0"/>
+                </a:solidFill>
+              </a:rPr>
+              <a:t>1.12 Vragen</a:t>
+            </a:r>
           </a:p>
         </p:txBody>
       </p:sp>
@@ -6585,21 +6301,8 @@
                   <a:srgbClr val="0070C0"/>
                 </a:solidFill>
               </a:rPr>
-              <a:t>Waar staat omschreven hoe de meterkast wordt ingedeeld</a:t>
-            </a:r>
-            <a:r>
-              <a:rPr lang="nl-NL" sz="1700" dirty="0" smtClean="0">
-                <a:solidFill>
-                  <a:srgbClr val="0070C0"/>
-                </a:solidFill>
-              </a:rPr>
-              <a:t>.</a:t>
-            </a:r>
-            <a:endParaRPr lang="nl-NL" sz="1700" dirty="0">
-              <a:solidFill>
-                <a:srgbClr val="0070C0"/>
-              </a:solidFill>
-            </a:endParaRPr>
+              <a:t>Waar staat omschreven hoe de meterkast wordt ingedeeld.</a:t>
+            </a:r>
           </a:p>
         </p:txBody>
       </p:sp>
@@ -6631,7 +6334,7 @@
                 </a:solidFill>
               </a:rPr>
               <a:pPr algn="r"/>
-              <a:t>26-6-2020</a:t>
+              <a:t>25-04-2023</a:t>
             </a:fld>
             <a:endParaRPr lang="nl-NL" dirty="0">
               <a:solidFill>
@@ -6667,21 +6370,8 @@
                   <a:srgbClr val="0070C0"/>
                 </a:solidFill>
               </a:rPr>
-              <a:t>d</a:t>
-            </a:r>
-            <a:r>
-              <a:rPr lang="nl-NL" b="1" dirty="0" smtClean="0">
-                <a:solidFill>
-                  <a:srgbClr val="0070C0"/>
-                </a:solidFill>
-              </a:rPr>
-              <a:t>a Vinci college Middenkader Engineering</a:t>
-            </a:r>
-            <a:endParaRPr lang="nl-NL" b="1" dirty="0">
-              <a:solidFill>
-                <a:srgbClr val="0070C0"/>
-              </a:solidFill>
-            </a:endParaRPr>
+              <a:t>da Vinci college Middenkader Engineering</a:t>
+            </a:r>
           </a:p>
         </p:txBody>
       </p:sp>
@@ -6731,13 +6421,6 @@
   <p:clrMapOvr>
     <a:masterClrMapping/>
   </p:clrMapOvr>
-  <p:timing>
-    <p:tnLst>
-      <p:par>
-        <p:cTn id="1" dur="indefinite" restart="never" nodeType="tmRoot"/>
-      </p:par>
-    </p:tnLst>
-  </p:timing>
 </p:sld>
 </file>
 
@@ -6779,26 +6462,13 @@
           <a:lstStyle/>
           <a:p>
             <a:r>
-              <a:rPr lang="nl-NL" dirty="0" smtClean="0">
-                <a:solidFill>
-                  <a:srgbClr val="0070C0"/>
-                </a:solidFill>
-              </a:rPr>
-              <a:t>1.13 </a:t>
-            </a:r>
-            <a:r>
-              <a:rPr lang="nl-NL" dirty="0" smtClean="0">
-                <a:solidFill>
-                  <a:srgbClr val="0070C0"/>
-                </a:solidFill>
-              </a:rPr>
-              <a:t>Verwerking</a:t>
-            </a:r>
-            <a:endParaRPr lang="nl-NL" dirty="0">
-              <a:solidFill>
-                <a:srgbClr val="0070C0"/>
-              </a:solidFill>
-            </a:endParaRPr>
+              <a:rPr lang="nl-NL" dirty="0">
+                <a:solidFill>
+                  <a:srgbClr val="0070C0"/>
+                </a:solidFill>
+              </a:rPr>
+              <a:t>1.13 Verwerking</a:t>
+            </a:r>
           </a:p>
         </p:txBody>
       </p:sp>
@@ -6825,7 +6495,7 @@
           <a:lstStyle/>
           <a:p>
             <a:r>
-              <a:rPr lang="nl-NL" sz="1600" dirty="0" smtClean="0">
+              <a:rPr lang="nl-NL" sz="1600" dirty="0">
                 <a:solidFill>
                   <a:srgbClr val="0070C0"/>
                 </a:solidFill>
@@ -6834,37 +6504,6 @@
               </a:rPr>
               <a:t>Vragen uit het werkboek</a:t>
             </a:r>
-          </a:p>
-          <a:p>
-            <a:endParaRPr lang="nl-NL" sz="1600" dirty="0" smtClean="0">
-              <a:solidFill>
-                <a:srgbClr val="0070C0"/>
-              </a:solidFill>
-              <a:latin typeface="Arial" panose="020B0604020202020204" pitchFamily="34" charset="0"/>
-              <a:cs typeface="Arial" panose="020B0604020202020204" pitchFamily="34" charset="0"/>
-            </a:endParaRPr>
-          </a:p>
-          <a:p>
-            <a:pPr marL="463550" lvl="1" indent="-285750"/>
-            <a:r>
-              <a:rPr lang="nl-NL" sz="1600" dirty="0" smtClean="0">
-                <a:solidFill>
-                  <a:srgbClr val="0070C0"/>
-                </a:solidFill>
-                <a:latin typeface="Arial" panose="020B0604020202020204" pitchFamily="34" charset="0"/>
-                <a:cs typeface="Arial" panose="020B0604020202020204" pitchFamily="34" charset="0"/>
-              </a:rPr>
-              <a:t>Vraag 1</a:t>
-            </a:r>
-          </a:p>
-          <a:p>
-            <a:endParaRPr lang="nl-NL" sz="1600" dirty="0" smtClean="0">
-              <a:solidFill>
-                <a:srgbClr val="0070C0"/>
-              </a:solidFill>
-              <a:latin typeface="Arial" panose="020B0604020202020204" pitchFamily="34" charset="0"/>
-              <a:cs typeface="Arial" panose="020B0604020202020204" pitchFamily="34" charset="0"/>
-            </a:endParaRPr>
           </a:p>
           <a:p>
             <a:endParaRPr lang="nl-NL" sz="1600" dirty="0">
@@ -6876,13 +6515,17 @@
             </a:endParaRPr>
           </a:p>
           <a:p>
-            <a:endParaRPr lang="nl-NL" sz="1600" dirty="0" smtClean="0">
-              <a:solidFill>
-                <a:srgbClr val="0070C0"/>
-              </a:solidFill>
-              <a:latin typeface="Arial" panose="020B0604020202020204" pitchFamily="34" charset="0"/>
-              <a:cs typeface="Arial" panose="020B0604020202020204" pitchFamily="34" charset="0"/>
-            </a:endParaRPr>
+            <a:pPr marL="463550" lvl="1" indent="-285750"/>
+            <a:r>
+              <a:rPr lang="nl-NL" sz="1600" dirty="0">
+                <a:solidFill>
+                  <a:srgbClr val="0070C0"/>
+                </a:solidFill>
+                <a:latin typeface="Arial" panose="020B0604020202020204" pitchFamily="34" charset="0"/>
+                <a:cs typeface="Arial" panose="020B0604020202020204" pitchFamily="34" charset="0"/>
+              </a:rPr>
+              <a:t>Vraag 1</a:t>
+            </a:r>
           </a:p>
           <a:p>
             <a:endParaRPr lang="nl-NL" sz="1600" dirty="0">
@@ -6894,15 +6537,6 @@
             </a:endParaRPr>
           </a:p>
           <a:p>
-            <a:endParaRPr lang="nl-NL" sz="1600" dirty="0" smtClean="0">
-              <a:solidFill>
-                <a:srgbClr val="0070C0"/>
-              </a:solidFill>
-              <a:latin typeface="Arial" panose="020B0604020202020204" pitchFamily="34" charset="0"/>
-              <a:cs typeface="Arial" panose="020B0604020202020204" pitchFamily="34" charset="0"/>
-            </a:endParaRPr>
-          </a:p>
-          <a:p>
             <a:endParaRPr lang="nl-NL" sz="1600" dirty="0">
               <a:solidFill>
                 <a:srgbClr val="0070C0"/>
@@ -6912,15 +6546,6 @@
             </a:endParaRPr>
           </a:p>
           <a:p>
-            <a:endParaRPr lang="nl-NL" sz="1600" dirty="0" smtClean="0">
-              <a:solidFill>
-                <a:srgbClr val="0070C0"/>
-              </a:solidFill>
-              <a:latin typeface="Arial" panose="020B0604020202020204" pitchFamily="34" charset="0"/>
-              <a:cs typeface="Arial" panose="020B0604020202020204" pitchFamily="34" charset="0"/>
-            </a:endParaRPr>
-          </a:p>
-          <a:p>
             <a:endParaRPr lang="nl-NL" sz="1600" dirty="0">
               <a:solidFill>
                 <a:srgbClr val="0070C0"/>
@@ -6930,15 +6555,6 @@
             </a:endParaRPr>
           </a:p>
           <a:p>
-            <a:endParaRPr lang="nl-NL" sz="1600" dirty="0" smtClean="0">
-              <a:solidFill>
-                <a:srgbClr val="0070C0"/>
-              </a:solidFill>
-              <a:latin typeface="Arial" panose="020B0604020202020204" pitchFamily="34" charset="0"/>
-              <a:cs typeface="Arial" panose="020B0604020202020204" pitchFamily="34" charset="0"/>
-            </a:endParaRPr>
-          </a:p>
-          <a:p>
             <a:endParaRPr lang="nl-NL" sz="1600" dirty="0">
               <a:solidFill>
                 <a:srgbClr val="0070C0"/>
@@ -6948,7 +6564,61 @@
             </a:endParaRPr>
           </a:p>
           <a:p>
-            <a:endParaRPr lang="nl-NL" sz="1600" dirty="0" smtClean="0">
+            <a:endParaRPr lang="nl-NL" sz="1600" dirty="0">
+              <a:solidFill>
+                <a:srgbClr val="0070C0"/>
+              </a:solidFill>
+              <a:latin typeface="Arial" panose="020B0604020202020204" pitchFamily="34" charset="0"/>
+              <a:cs typeface="Arial" panose="020B0604020202020204" pitchFamily="34" charset="0"/>
+            </a:endParaRPr>
+          </a:p>
+          <a:p>
+            <a:endParaRPr lang="nl-NL" sz="1600" dirty="0">
+              <a:solidFill>
+                <a:srgbClr val="0070C0"/>
+              </a:solidFill>
+              <a:latin typeface="Arial" panose="020B0604020202020204" pitchFamily="34" charset="0"/>
+              <a:cs typeface="Arial" panose="020B0604020202020204" pitchFamily="34" charset="0"/>
+            </a:endParaRPr>
+          </a:p>
+          <a:p>
+            <a:endParaRPr lang="nl-NL" sz="1600" dirty="0">
+              <a:solidFill>
+                <a:srgbClr val="0070C0"/>
+              </a:solidFill>
+              <a:latin typeface="Arial" panose="020B0604020202020204" pitchFamily="34" charset="0"/>
+              <a:cs typeface="Arial" panose="020B0604020202020204" pitchFamily="34" charset="0"/>
+            </a:endParaRPr>
+          </a:p>
+          <a:p>
+            <a:endParaRPr lang="nl-NL" sz="1600" dirty="0">
+              <a:solidFill>
+                <a:srgbClr val="0070C0"/>
+              </a:solidFill>
+              <a:latin typeface="Arial" panose="020B0604020202020204" pitchFamily="34" charset="0"/>
+              <a:cs typeface="Arial" panose="020B0604020202020204" pitchFamily="34" charset="0"/>
+            </a:endParaRPr>
+          </a:p>
+          <a:p>
+            <a:endParaRPr lang="nl-NL" sz="1600" dirty="0">
+              <a:solidFill>
+                <a:srgbClr val="0070C0"/>
+              </a:solidFill>
+              <a:latin typeface="Arial" panose="020B0604020202020204" pitchFamily="34" charset="0"/>
+              <a:cs typeface="Arial" panose="020B0604020202020204" pitchFamily="34" charset="0"/>
+            </a:endParaRPr>
+          </a:p>
+          <a:p>
+            <a:endParaRPr lang="nl-NL" sz="1600" dirty="0">
+              <a:solidFill>
+                <a:srgbClr val="0070C0"/>
+              </a:solidFill>
+              <a:latin typeface="Arial" panose="020B0604020202020204" pitchFamily="34" charset="0"/>
+              <a:cs typeface="Arial" panose="020B0604020202020204" pitchFamily="34" charset="0"/>
+            </a:endParaRPr>
+          </a:p>
+          <a:p>
+            <a:endParaRPr lang="nl-NL" sz="1600" dirty="0">
               <a:solidFill>
                 <a:srgbClr val="0070C0"/>
               </a:solidFill>
@@ -6995,7 +6665,7 @@
                 </a:solidFill>
               </a:rPr>
               <a:pPr algn="r"/>
-              <a:t>26-6-2020</a:t>
+              <a:t>25-04-2023</a:t>
             </a:fld>
             <a:endParaRPr lang="nl-NL" dirty="0">
               <a:solidFill>
@@ -7031,21 +6701,8 @@
                   <a:srgbClr val="0070C0"/>
                 </a:solidFill>
               </a:rPr>
-              <a:t>d</a:t>
-            </a:r>
-            <a:r>
-              <a:rPr lang="nl-NL" b="1" dirty="0" smtClean="0">
-                <a:solidFill>
-                  <a:srgbClr val="0070C0"/>
-                </a:solidFill>
-              </a:rPr>
-              <a:t>a Vinci college Middenkader Engineering</a:t>
-            </a:r>
-            <a:endParaRPr lang="nl-NL" b="1" dirty="0">
-              <a:solidFill>
-                <a:srgbClr val="0070C0"/>
-              </a:solidFill>
-            </a:endParaRPr>
+              <a:t>da Vinci college Middenkader Engineering</a:t>
+            </a:r>
           </a:p>
         </p:txBody>
       </p:sp>
@@ -7148,13 +6805,6 @@
   <p:clrMapOvr>
     <a:masterClrMapping/>
   </p:clrMapOvr>
-  <p:timing>
-    <p:tnLst>
-      <p:par>
-        <p:cTn id="1" dur="indefinite" restart="never" nodeType="tmRoot"/>
-      </p:par>
-    </p:tnLst>
-  </p:timing>
 </p:sld>
 </file>
 
@@ -7196,18 +6846,13 @@
           <a:lstStyle/>
           <a:p>
             <a:r>
-              <a:rPr lang="nl-NL" dirty="0" smtClean="0">
+              <a:rPr lang="nl-NL" dirty="0">
                 <a:solidFill>
                   <a:srgbClr val="0070C0"/>
                 </a:solidFill>
               </a:rPr>
               <a:t>Leerdoelen</a:t>
             </a:r>
-            <a:endParaRPr lang="nl-NL" dirty="0">
-              <a:solidFill>
-                <a:srgbClr val="0070C0"/>
-              </a:solidFill>
-            </a:endParaRPr>
           </a:p>
         </p:txBody>
       </p:sp>
@@ -7237,7 +6882,7 @@
               <a:buAutoNum type="arabicPeriod"/>
             </a:pPr>
             <a:r>
-              <a:rPr lang="nl-NL" sz="1600" dirty="0" smtClean="0">
+              <a:rPr lang="nl-NL" sz="1600" dirty="0">
                 <a:solidFill>
                   <a:srgbClr val="0070C0"/>
                 </a:solidFill>
@@ -7264,7 +6909,7 @@
               <a:buAutoNum type="arabicPeriod"/>
             </a:pPr>
             <a:r>
-              <a:rPr lang="nl-NL" sz="1600" dirty="0" smtClean="0">
+              <a:rPr lang="nl-NL" sz="1600" dirty="0">
                 <a:solidFill>
                   <a:srgbClr val="0070C0"/>
                 </a:solidFill>
@@ -7299,18 +6944,13 @@
                 <a:latin typeface="Arial" panose="020B0604020202020204" pitchFamily="34" charset="0"/>
                 <a:cs typeface="Arial" panose="020B0604020202020204" pitchFamily="34" charset="0"/>
               </a:rPr>
-              <a:t>Ik ben instaat om de elektrotechnische gegevens te </a:t>
-            </a:r>
-            <a:r>
-              <a:rPr lang="nl-NL" sz="1600" dirty="0" smtClean="0">
-                <a:solidFill>
-                  <a:srgbClr val="0070C0"/>
-                </a:solidFill>
-                <a:latin typeface="Arial" panose="020B0604020202020204" pitchFamily="34" charset="0"/>
-                <a:cs typeface="Arial" panose="020B0604020202020204" pitchFamily="34" charset="0"/>
-              </a:rPr>
-              <a:t>filteren vanuit het bestek.</a:t>
-            </a:r>
+              <a:t>Ik ben instaat om de elektrotechnische gegevens te filteren vanuit het bestek.</a:t>
+            </a:r>
+          </a:p>
+          <a:p>
+            <a:pPr marL="342900" indent="-342900">
+              <a:buAutoNum type="arabicPeriod"/>
+            </a:pPr>
             <a:endParaRPr lang="nl-NL" sz="1600" dirty="0">
               <a:solidFill>
                 <a:srgbClr val="0070C0"/>
@@ -7319,18 +6959,6 @@
               <a:cs typeface="Arial" panose="020B0604020202020204" pitchFamily="34" charset="0"/>
             </a:endParaRPr>
           </a:p>
-          <a:p>
-            <a:pPr marL="342900" indent="-342900">
-              <a:buAutoNum type="arabicPeriod"/>
-            </a:pPr>
-            <a:endParaRPr lang="nl-NL" sz="1600" dirty="0" smtClean="0">
-              <a:solidFill>
-                <a:srgbClr val="0070C0"/>
-              </a:solidFill>
-              <a:latin typeface="Arial" panose="020B0604020202020204" pitchFamily="34" charset="0"/>
-              <a:cs typeface="Arial" panose="020B0604020202020204" pitchFamily="34" charset="0"/>
-            </a:endParaRPr>
-          </a:p>
         </p:txBody>
       </p:sp>
       <p:sp>
@@ -7361,7 +6989,7 @@
                 </a:solidFill>
               </a:rPr>
               <a:pPr algn="r"/>
-              <a:t>26-6-2020</a:t>
+              <a:t>25-04-2023</a:t>
             </a:fld>
             <a:endParaRPr lang="nl-NL" dirty="0">
               <a:solidFill>
@@ -7397,21 +7025,8 @@
                   <a:srgbClr val="0070C0"/>
                 </a:solidFill>
               </a:rPr>
-              <a:t>d</a:t>
-            </a:r>
-            <a:r>
-              <a:rPr lang="nl-NL" b="1" dirty="0" smtClean="0">
-                <a:solidFill>
-                  <a:srgbClr val="0070C0"/>
-                </a:solidFill>
-              </a:rPr>
-              <a:t>a Vinci college Middenkader Engineering</a:t>
-            </a:r>
-            <a:endParaRPr lang="nl-NL" b="1" dirty="0">
-              <a:solidFill>
-                <a:srgbClr val="0070C0"/>
-              </a:solidFill>
-            </a:endParaRPr>
+              <a:t>da Vinci college Middenkader Engineering</a:t>
+            </a:r>
           </a:p>
         </p:txBody>
       </p:sp>
@@ -7502,13 +7117,6 @@
   <p:clrMapOvr>
     <a:masterClrMapping/>
   </p:clrMapOvr>
-  <p:timing>
-    <p:tnLst>
-      <p:par>
-        <p:cTn id="1" dur="indefinite" restart="never" nodeType="tmRoot"/>
-      </p:par>
-    </p:tnLst>
-  </p:timing>
 </p:sld>
 </file>
 
@@ -7550,18 +7158,13 @@
           <a:lstStyle/>
           <a:p>
             <a:r>
-              <a:rPr lang="nl-NL" dirty="0" smtClean="0">
+              <a:rPr lang="nl-NL" dirty="0">
                 <a:solidFill>
                   <a:srgbClr val="0070C0"/>
                 </a:solidFill>
               </a:rPr>
               <a:t>Inhoudsopgave</a:t>
             </a:r>
-            <a:endParaRPr lang="nl-NL" dirty="0">
-              <a:solidFill>
-                <a:srgbClr val="0070C0"/>
-              </a:solidFill>
-            </a:endParaRPr>
           </a:p>
         </p:txBody>
       </p:sp>
@@ -7595,227 +7198,151 @@
                 <a:latin typeface="Arial" panose="020B0604020202020204" pitchFamily="34" charset="0"/>
                 <a:cs typeface="Arial" panose="020B0604020202020204" pitchFamily="34" charset="0"/>
               </a:rPr>
-              <a:t>1</a:t>
-            </a:r>
-            <a:r>
-              <a:rPr lang="nl-NL" sz="1600" dirty="0" smtClean="0">
+              <a:t>1.1 Inleiding</a:t>
+            </a:r>
+          </a:p>
+          <a:p>
+            <a:r>
+              <a:rPr lang="nl-NL" sz="1600" dirty="0">
                 <a:solidFill>
                   <a:srgbClr val="0070C0"/>
                 </a:solidFill>
                 <a:latin typeface="Arial" panose="020B0604020202020204" pitchFamily="34" charset="0"/>
                 <a:cs typeface="Arial" panose="020B0604020202020204" pitchFamily="34" charset="0"/>
               </a:rPr>
-              <a:t>.1 Inleiding</a:t>
-            </a:r>
-          </a:p>
-          <a:p>
-            <a:r>
-              <a:rPr lang="nl-NL" sz="1600" dirty="0" smtClean="0">
+              <a:t>1.1.2 Bestek</a:t>
+            </a:r>
+          </a:p>
+          <a:p>
+            <a:r>
+              <a:rPr lang="nl-NL" sz="1600" dirty="0">
                 <a:solidFill>
                   <a:srgbClr val="0070C0"/>
                 </a:solidFill>
                 <a:latin typeface="Arial" panose="020B0604020202020204" pitchFamily="34" charset="0"/>
                 <a:cs typeface="Arial" panose="020B0604020202020204" pitchFamily="34" charset="0"/>
               </a:rPr>
-              <a:t>1.1.2 Bestek</a:t>
-            </a:r>
-            <a:endParaRPr lang="nl-NL" sz="1600" dirty="0" smtClean="0">
-              <a:solidFill>
-                <a:srgbClr val="0070C0"/>
-              </a:solidFill>
-              <a:latin typeface="Arial" panose="020B0604020202020204" pitchFamily="34" charset="0"/>
-              <a:cs typeface="Arial" panose="020B0604020202020204" pitchFamily="34" charset="0"/>
-            </a:endParaRPr>
-          </a:p>
-          <a:p>
-            <a:r>
-              <a:rPr lang="nl-NL" sz="1600" dirty="0" smtClean="0">
+              <a:t>1.1.3 Kwaliteitseisen </a:t>
+            </a:r>
+          </a:p>
+          <a:p>
+            <a:r>
+              <a:rPr lang="nl-NL" sz="1600" dirty="0">
                 <a:solidFill>
                   <a:srgbClr val="0070C0"/>
                 </a:solidFill>
                 <a:latin typeface="Arial" panose="020B0604020202020204" pitchFamily="34" charset="0"/>
                 <a:cs typeface="Arial" panose="020B0604020202020204" pitchFamily="34" charset="0"/>
               </a:rPr>
-              <a:t>1.1.3 Kwaliteitseisen </a:t>
-            </a:r>
-            <a:endParaRPr lang="nl-NL" sz="1600" dirty="0" smtClean="0">
-              <a:solidFill>
-                <a:srgbClr val="0070C0"/>
-              </a:solidFill>
-              <a:latin typeface="Arial" panose="020B0604020202020204" pitchFamily="34" charset="0"/>
-              <a:cs typeface="Arial" panose="020B0604020202020204" pitchFamily="34" charset="0"/>
-            </a:endParaRPr>
-          </a:p>
-          <a:p>
-            <a:r>
-              <a:rPr lang="nl-NL" sz="1600" dirty="0" smtClean="0">
+              <a:t>1.1.4 Bepalingen</a:t>
+            </a:r>
+          </a:p>
+          <a:p>
+            <a:r>
+              <a:rPr lang="nl-NL" sz="1600" dirty="0">
                 <a:solidFill>
                   <a:srgbClr val="0070C0"/>
                 </a:solidFill>
                 <a:latin typeface="Arial" panose="020B0604020202020204" pitchFamily="34" charset="0"/>
                 <a:cs typeface="Arial" panose="020B0604020202020204" pitchFamily="34" charset="0"/>
               </a:rPr>
-              <a:t>1.1.4 Bepalingen</a:t>
-            </a:r>
-            <a:endParaRPr lang="nl-NL" sz="1600" dirty="0" smtClean="0">
-              <a:solidFill>
-                <a:srgbClr val="0070C0"/>
-              </a:solidFill>
-              <a:latin typeface="Arial" panose="020B0604020202020204" pitchFamily="34" charset="0"/>
-              <a:cs typeface="Arial" panose="020B0604020202020204" pitchFamily="34" charset="0"/>
-            </a:endParaRPr>
-          </a:p>
-          <a:p>
-            <a:r>
-              <a:rPr lang="nl-NL" sz="1600" dirty="0" smtClean="0">
+              <a:t>1.1.5 Voorschriften</a:t>
+            </a:r>
+          </a:p>
+          <a:p>
+            <a:r>
+              <a:rPr lang="nl-NL" sz="1600" dirty="0">
                 <a:solidFill>
                   <a:srgbClr val="0070C0"/>
                 </a:solidFill>
                 <a:latin typeface="Arial" panose="020B0604020202020204" pitchFamily="34" charset="0"/>
                 <a:cs typeface="Arial" panose="020B0604020202020204" pitchFamily="34" charset="0"/>
               </a:rPr>
-              <a:t>1.1.5 Voorschriften</a:t>
-            </a:r>
-            <a:endParaRPr lang="nl-NL" sz="1600" dirty="0" smtClean="0">
-              <a:solidFill>
-                <a:srgbClr val="0070C0"/>
-              </a:solidFill>
-              <a:latin typeface="Arial" panose="020B0604020202020204" pitchFamily="34" charset="0"/>
-              <a:cs typeface="Arial" panose="020B0604020202020204" pitchFamily="34" charset="0"/>
-            </a:endParaRPr>
-          </a:p>
-          <a:p>
-            <a:r>
-              <a:rPr lang="nl-NL" sz="1600" dirty="0" smtClean="0">
+              <a:t>1.1.6 Aansluitvoorwaarde</a:t>
+            </a:r>
+          </a:p>
+          <a:p>
+            <a:r>
+              <a:rPr lang="nl-NL" sz="1600" dirty="0">
                 <a:solidFill>
                   <a:srgbClr val="0070C0"/>
                 </a:solidFill>
                 <a:latin typeface="Arial" panose="020B0604020202020204" pitchFamily="34" charset="0"/>
                 <a:cs typeface="Arial" panose="020B0604020202020204" pitchFamily="34" charset="0"/>
               </a:rPr>
-              <a:t>1.1.6 Aansluitvoorwaarde</a:t>
-            </a:r>
-            <a:endParaRPr lang="nl-NL" sz="1600" dirty="0" smtClean="0">
-              <a:solidFill>
-                <a:srgbClr val="0070C0"/>
-              </a:solidFill>
-              <a:latin typeface="Arial" panose="020B0604020202020204" pitchFamily="34" charset="0"/>
-              <a:cs typeface="Arial" panose="020B0604020202020204" pitchFamily="34" charset="0"/>
-            </a:endParaRPr>
-          </a:p>
-          <a:p>
-            <a:r>
-              <a:rPr lang="nl-NL" sz="1600" dirty="0" smtClean="0">
+              <a:t>1.1.7 NEN-voorschriften</a:t>
+            </a:r>
+          </a:p>
+          <a:p>
+            <a:r>
+              <a:rPr lang="nl-NL" sz="1600" dirty="0">
                 <a:solidFill>
                   <a:srgbClr val="0070C0"/>
                 </a:solidFill>
                 <a:latin typeface="Arial" panose="020B0604020202020204" pitchFamily="34" charset="0"/>
                 <a:cs typeface="Arial" panose="020B0604020202020204" pitchFamily="34" charset="0"/>
               </a:rPr>
-              <a:t>1.1.7 NEN-voorschriften</a:t>
-            </a:r>
-            <a:endParaRPr lang="nl-NL" sz="1600" dirty="0" smtClean="0">
-              <a:solidFill>
-                <a:srgbClr val="0070C0"/>
-              </a:solidFill>
-              <a:latin typeface="Arial" panose="020B0604020202020204" pitchFamily="34" charset="0"/>
-              <a:cs typeface="Arial" panose="020B0604020202020204" pitchFamily="34" charset="0"/>
-            </a:endParaRPr>
-          </a:p>
-          <a:p>
-            <a:r>
-              <a:rPr lang="nl-NL" sz="1600" dirty="0" smtClean="0">
+              <a:t>1.2.8 Bouwbesluit</a:t>
+            </a:r>
+          </a:p>
+          <a:p>
+            <a:r>
+              <a:rPr lang="nl-NL" sz="1600" dirty="0">
                 <a:solidFill>
                   <a:srgbClr val="0070C0"/>
                 </a:solidFill>
                 <a:latin typeface="Arial" panose="020B0604020202020204" pitchFamily="34" charset="0"/>
                 <a:cs typeface="Arial" panose="020B0604020202020204" pitchFamily="34" charset="0"/>
               </a:rPr>
-              <a:t>1.2.8 Bouwbesluit</a:t>
-            </a:r>
-          </a:p>
-          <a:p>
-            <a:r>
-              <a:rPr lang="nl-NL" sz="1600" dirty="0" smtClean="0">
+              <a:t>1.2.9 Ontwerp meterkast</a:t>
+            </a:r>
+          </a:p>
+          <a:p>
+            <a:r>
+              <a:rPr lang="nl-NL" sz="1600" dirty="0">
                 <a:solidFill>
                   <a:srgbClr val="0070C0"/>
                 </a:solidFill>
                 <a:latin typeface="Arial" panose="020B0604020202020204" pitchFamily="34" charset="0"/>
                 <a:cs typeface="Arial" panose="020B0604020202020204" pitchFamily="34" charset="0"/>
               </a:rPr>
-              <a:t>1.2.9 Ontwerp meterkast</a:t>
-            </a:r>
-            <a:endParaRPr lang="nl-NL" sz="1600" dirty="0" smtClean="0">
-              <a:solidFill>
-                <a:srgbClr val="0070C0"/>
-              </a:solidFill>
-              <a:latin typeface="Arial" panose="020B0604020202020204" pitchFamily="34" charset="0"/>
-              <a:cs typeface="Arial" panose="020B0604020202020204" pitchFamily="34" charset="0"/>
-            </a:endParaRPr>
-          </a:p>
-          <a:p>
-            <a:r>
-              <a:rPr lang="nl-NL" sz="1600" dirty="0" smtClean="0">
+              <a:t>1.2.10 Invoer van leidingen</a:t>
+            </a:r>
+          </a:p>
+          <a:p>
+            <a:r>
+              <a:rPr lang="nl-NL" sz="1600" dirty="0">
                 <a:solidFill>
                   <a:srgbClr val="0070C0"/>
                 </a:solidFill>
                 <a:latin typeface="Arial" panose="020B0604020202020204" pitchFamily="34" charset="0"/>
                 <a:cs typeface="Arial" panose="020B0604020202020204" pitchFamily="34" charset="0"/>
               </a:rPr>
-              <a:t>1.2.10 Invoer van leidingen</a:t>
-            </a:r>
-          </a:p>
-          <a:p>
-            <a:r>
-              <a:rPr lang="nl-NL" sz="1600" dirty="0" smtClean="0">
+              <a:t>1.2.11 Zone indeling meterkast</a:t>
+            </a:r>
+          </a:p>
+          <a:p>
+            <a:r>
+              <a:rPr lang="nl-NL" sz="1600" dirty="0">
                 <a:solidFill>
                   <a:srgbClr val="0070C0"/>
                 </a:solidFill>
                 <a:latin typeface="Arial" panose="020B0604020202020204" pitchFamily="34" charset="0"/>
                 <a:cs typeface="Arial" panose="020B0604020202020204" pitchFamily="34" charset="0"/>
               </a:rPr>
-              <a:t>1.2.11 Zone indeling meterkast</a:t>
-            </a:r>
-          </a:p>
-          <a:p>
-            <a:r>
-              <a:rPr lang="nl-NL" sz="1600" dirty="0" smtClean="0">
+              <a:t>1.12 Vragen</a:t>
+            </a:r>
+          </a:p>
+          <a:p>
+            <a:r>
+              <a:rPr lang="nl-NL" sz="1600" dirty="0">
                 <a:solidFill>
                   <a:srgbClr val="0070C0"/>
                 </a:solidFill>
                 <a:latin typeface="Arial" panose="020B0604020202020204" pitchFamily="34" charset="0"/>
                 <a:cs typeface="Arial" panose="020B0604020202020204" pitchFamily="34" charset="0"/>
               </a:rPr>
-              <a:t>1.12 Vragen</a:t>
-            </a:r>
-            <a:endParaRPr lang="nl-NL" sz="1600" dirty="0" smtClean="0">
-              <a:solidFill>
-                <a:srgbClr val="0070C0"/>
-              </a:solidFill>
-              <a:latin typeface="Arial" panose="020B0604020202020204" pitchFamily="34" charset="0"/>
-              <a:cs typeface="Arial" panose="020B0604020202020204" pitchFamily="34" charset="0"/>
-            </a:endParaRPr>
-          </a:p>
-          <a:p>
-            <a:r>
-              <a:rPr lang="nl-NL" sz="1600" dirty="0" smtClean="0">
-                <a:solidFill>
-                  <a:srgbClr val="0070C0"/>
-                </a:solidFill>
-                <a:latin typeface="Arial" panose="020B0604020202020204" pitchFamily="34" charset="0"/>
-                <a:cs typeface="Arial" panose="020B0604020202020204" pitchFamily="34" charset="0"/>
-              </a:rPr>
-              <a:t>1.13 </a:t>
-            </a:r>
-            <a:r>
-              <a:rPr lang="nl-NL" sz="1600" dirty="0" smtClean="0">
-                <a:solidFill>
-                  <a:srgbClr val="0070C0"/>
-                </a:solidFill>
-                <a:latin typeface="Arial" panose="020B0604020202020204" pitchFamily="34" charset="0"/>
-                <a:cs typeface="Arial" panose="020B0604020202020204" pitchFamily="34" charset="0"/>
-              </a:rPr>
-              <a:t>Verwerking</a:t>
+              <a:t>1.13 Verwerking</a:t>
             </a:r>
           </a:p>
         </p:txBody>
@@ -7848,7 +7375,7 @@
                 </a:solidFill>
               </a:rPr>
               <a:pPr algn="r"/>
-              <a:t>26-6-2020</a:t>
+              <a:t>25-04-2023</a:t>
             </a:fld>
             <a:endParaRPr lang="nl-NL" dirty="0">
               <a:solidFill>
@@ -7884,21 +7411,8 @@
                   <a:srgbClr val="0070C0"/>
                 </a:solidFill>
               </a:rPr>
-              <a:t>d</a:t>
-            </a:r>
-            <a:r>
-              <a:rPr lang="nl-NL" b="1" dirty="0" smtClean="0">
-                <a:solidFill>
-                  <a:srgbClr val="0070C0"/>
-                </a:solidFill>
-              </a:rPr>
-              <a:t>a Vinci college Middenkader Engineering</a:t>
-            </a:r>
-            <a:endParaRPr lang="nl-NL" b="1" dirty="0">
-              <a:solidFill>
-                <a:srgbClr val="0070C0"/>
-              </a:solidFill>
-            </a:endParaRPr>
+              <a:t>da Vinci college Middenkader Engineering</a:t>
+            </a:r>
           </a:p>
         </p:txBody>
       </p:sp>
@@ -7948,13 +7462,6 @@
   <p:clrMapOvr>
     <a:masterClrMapping/>
   </p:clrMapOvr>
-  <p:timing>
-    <p:tnLst>
-      <p:par>
-        <p:cTn id="1" dur="indefinite" restart="never" nodeType="tmRoot"/>
-      </p:par>
-    </p:tnLst>
-  </p:timing>
 </p:sld>
 </file>
 
@@ -7996,18 +7503,13 @@
           <a:lstStyle/>
           <a:p>
             <a:r>
-              <a:rPr lang="nl-NL" dirty="0" smtClean="0">
+              <a:rPr lang="nl-NL" dirty="0">
                 <a:solidFill>
                   <a:srgbClr val="0070C0"/>
                 </a:solidFill>
               </a:rPr>
               <a:t>1.1 Inleiding</a:t>
             </a:r>
-            <a:endParaRPr lang="nl-NL" dirty="0">
-              <a:solidFill>
-                <a:srgbClr val="0070C0"/>
-              </a:solidFill>
-            </a:endParaRPr>
           </a:p>
         </p:txBody>
       </p:sp>
@@ -8039,7 +7541,7 @@
                 </a:solidFill>
               </a:rPr>
               <a:pPr algn="r"/>
-              <a:t>26-6-2020</a:t>
+              <a:t>25-04-2023</a:t>
             </a:fld>
             <a:endParaRPr lang="nl-NL" dirty="0">
               <a:solidFill>
@@ -8075,21 +7577,8 @@
                   <a:srgbClr val="0070C0"/>
                 </a:solidFill>
               </a:rPr>
-              <a:t>d</a:t>
-            </a:r>
-            <a:r>
-              <a:rPr lang="nl-NL" b="1" dirty="0" smtClean="0">
-                <a:solidFill>
-                  <a:srgbClr val="0070C0"/>
-                </a:solidFill>
-              </a:rPr>
-              <a:t>a Vinci college Middenkader Engineering</a:t>
-            </a:r>
-            <a:endParaRPr lang="nl-NL" b="1" dirty="0">
-              <a:solidFill>
-                <a:srgbClr val="0070C0"/>
-              </a:solidFill>
-            </a:endParaRPr>
+              <a:t>da Vinci college Middenkader Engineering</a:t>
+            </a:r>
           </a:p>
         </p:txBody>
       </p:sp>
@@ -8161,7 +7650,25 @@
                 </a:solidFill>
                 <a:latin typeface="+mj-lt"/>
               </a:rPr>
-              <a:t>Elektrische installatie wordt gerealiseerd elektrotechnisch installateur.</a:t>
+              <a:t>Elektrische installatie wordt </a:t>
+            </a:r>
+            <a:r>
+              <a:rPr lang="nl-NL" sz="1600" dirty="0">
+                <a:solidFill>
+                  <a:srgbClr val="FF0000"/>
+                </a:solidFill>
+                <a:latin typeface="+mj-lt"/>
+              </a:rPr>
+              <a:t>gerealiseerd</a:t>
+            </a:r>
+            <a:r>
+              <a:rPr lang="nl-NL" sz="1600" dirty="0">
+                <a:solidFill>
+                  <a:srgbClr val="0070C0"/>
+                </a:solidFill>
+                <a:latin typeface="+mj-lt"/>
+              </a:rPr>
+              <a:t> door elektrotechnisch installateur.</a:t>
             </a:r>
           </a:p>
           <a:p>
@@ -8186,7 +7693,25 @@
                 </a:solidFill>
                 <a:latin typeface="+mj-lt"/>
               </a:rPr>
-              <a:t>Elektrische installatie wordt getekend door elektrotechnisch installateur.</a:t>
+              <a:t>Elektrische installatie wordt </a:t>
+            </a:r>
+            <a:r>
+              <a:rPr lang="nl-NL" sz="1600" dirty="0">
+                <a:solidFill>
+                  <a:srgbClr val="FF0000"/>
+                </a:solidFill>
+                <a:latin typeface="+mj-lt"/>
+              </a:rPr>
+              <a:t>getekend</a:t>
+            </a:r>
+            <a:r>
+              <a:rPr lang="nl-NL" sz="1600" dirty="0">
+                <a:solidFill>
+                  <a:srgbClr val="0070C0"/>
+                </a:solidFill>
+                <a:latin typeface="+mj-lt"/>
+              </a:rPr>
+              <a:t> door elektrotechnisch installateur.</a:t>
             </a:r>
           </a:p>
           <a:p>
@@ -8211,7 +7736,25 @@
                 </a:solidFill>
                 <a:latin typeface="+mj-lt"/>
               </a:rPr>
-              <a:t>Elektrische installatie wordt ontworpen door </a:t>
+              <a:t>Elektrische installatie wordt </a:t>
+            </a:r>
+            <a:r>
+              <a:rPr lang="nl-NL" sz="1600" dirty="0">
+                <a:solidFill>
+                  <a:srgbClr val="FF0000"/>
+                </a:solidFill>
+                <a:latin typeface="+mj-lt"/>
+              </a:rPr>
+              <a:t>ontworpen</a:t>
+            </a:r>
+            <a:r>
+              <a:rPr lang="nl-NL" sz="1600" dirty="0">
+                <a:solidFill>
+                  <a:srgbClr val="0070C0"/>
+                </a:solidFill>
+                <a:latin typeface="+mj-lt"/>
+              </a:rPr>
+              <a:t> door </a:t>
             </a:r>
             <a:r>
               <a:rPr lang="nl-NL" sz="1600" dirty="0" err="1">
@@ -8266,7 +7809,7 @@
               <a:buNone/>
             </a:pPr>
             <a:r>
-              <a:rPr lang="nl-NL" sz="1600" dirty="0" smtClean="0">
+              <a:rPr lang="nl-NL" sz="1600" dirty="0">
                 <a:solidFill>
                   <a:srgbClr val="0070C0"/>
                 </a:solidFill>
@@ -8275,7 +7818,7 @@
               <a:t>Voor de elektrische installatie wordt een </a:t>
             </a:r>
             <a:r>
-              <a:rPr lang="nl-NL" sz="1600" b="1" dirty="0" smtClean="0">
+              <a:rPr lang="nl-NL" sz="1600" b="1" dirty="0">
                 <a:solidFill>
                   <a:srgbClr val="FF0000"/>
                 </a:solidFill>
@@ -8284,7 +7827,7 @@
               <a:t>richtlijn</a:t>
             </a:r>
             <a:r>
-              <a:rPr lang="nl-NL" sz="1600" dirty="0" smtClean="0">
+              <a:rPr lang="nl-NL" sz="1600" dirty="0">
                 <a:solidFill>
                   <a:srgbClr val="0070C0"/>
                 </a:solidFill>
@@ -8292,12 +7835,6 @@
               </a:rPr>
               <a:t> aangeven vanuit de NEN1010.</a:t>
             </a:r>
-            <a:endParaRPr lang="nl-NL" sz="1600" dirty="0">
-              <a:solidFill>
-                <a:srgbClr val="0070C0"/>
-              </a:solidFill>
-              <a:latin typeface="+mj-lt"/>
-            </a:endParaRPr>
           </a:p>
           <a:p>
             <a:pPr marL="0" lvl="1" indent="0">
@@ -8417,13 +7954,6 @@
   <p:clrMapOvr>
     <a:masterClrMapping/>
   </p:clrMapOvr>
-  <p:timing>
-    <p:tnLst>
-      <p:par>
-        <p:cTn id="1" dur="indefinite" restart="never" nodeType="tmRoot"/>
-      </p:par>
-    </p:tnLst>
-  </p:timing>
 </p:sld>
 </file>
 
@@ -8465,26 +7995,13 @@
           <a:lstStyle/>
           <a:p>
             <a:r>
-              <a:rPr lang="nl-NL" dirty="0" smtClean="0">
-                <a:solidFill>
-                  <a:srgbClr val="0070C0"/>
-                </a:solidFill>
-              </a:rPr>
-              <a:t>1.1.2 </a:t>
-            </a:r>
-            <a:r>
-              <a:rPr lang="nl-NL" dirty="0" smtClean="0">
-                <a:solidFill>
-                  <a:srgbClr val="0070C0"/>
-                </a:solidFill>
-              </a:rPr>
-              <a:t>Bestek</a:t>
-            </a:r>
-            <a:endParaRPr lang="nl-NL" dirty="0">
-              <a:solidFill>
-                <a:srgbClr val="0070C0"/>
-              </a:solidFill>
-            </a:endParaRPr>
+              <a:rPr lang="nl-NL" dirty="0">
+                <a:solidFill>
+                  <a:srgbClr val="0070C0"/>
+                </a:solidFill>
+              </a:rPr>
+              <a:t>1.1.2 Bestek</a:t>
+            </a:r>
           </a:p>
         </p:txBody>
       </p:sp>
@@ -8516,7 +8033,7 @@
                 </a:solidFill>
               </a:rPr>
               <a:pPr algn="r"/>
-              <a:t>26-6-2020</a:t>
+              <a:t>25-04-2023</a:t>
             </a:fld>
             <a:endParaRPr lang="nl-NL" dirty="0">
               <a:solidFill>
@@ -8552,21 +8069,8 @@
                   <a:srgbClr val="0070C0"/>
                 </a:solidFill>
               </a:rPr>
-              <a:t>d</a:t>
-            </a:r>
-            <a:r>
-              <a:rPr lang="nl-NL" b="1" dirty="0" smtClean="0">
-                <a:solidFill>
-                  <a:srgbClr val="0070C0"/>
-                </a:solidFill>
-              </a:rPr>
-              <a:t>a Vinci college Middenkader Engineering</a:t>
-            </a:r>
-            <a:endParaRPr lang="nl-NL" b="1" dirty="0">
-              <a:solidFill>
-                <a:srgbClr val="0070C0"/>
-              </a:solidFill>
-            </a:endParaRPr>
+              <a:t>da Vinci college Middenkader Engineering</a:t>
+            </a:r>
           </a:p>
         </p:txBody>
       </p:sp>
@@ -8628,32 +8132,441 @@
           </a:bodyPr>
           <a:lstStyle/>
           <a:p>
-            <a:pPr marL="0" lvl="1" indent="0">
-              <a:buNone/>
-            </a:pPr>
-            <a:r>
-              <a:rPr lang="nl-NL" sz="1600" dirty="0">
-                <a:solidFill>
-                  <a:srgbClr val="0070C0"/>
-                </a:solidFill>
-              </a:rPr>
-              <a:t>Bestek wordt opgezet door </a:t>
-            </a:r>
-            <a:r>
-              <a:rPr lang="nl-NL" sz="1600" dirty="0" smtClean="0">
-                <a:solidFill>
-                  <a:srgbClr val="0070C0"/>
-                </a:solidFill>
-              </a:rPr>
-              <a:t>bouwaannemer </a:t>
-            </a:r>
-            <a:r>
-              <a:rPr lang="nl-NL" sz="1600" dirty="0">
-                <a:solidFill>
-                  <a:srgbClr val="0070C0"/>
-                </a:solidFill>
-              </a:rPr>
-              <a:t>of architect.</a:t>
+            <a:r>
+              <a:rPr lang="en-GB" sz="1600" dirty="0">
+                <a:solidFill>
+                  <a:srgbClr val="FF0000"/>
+                </a:solidFill>
+              </a:rPr>
+              <a:t>Het </a:t>
+            </a:r>
+            <a:r>
+              <a:rPr lang="en-GB" sz="1600" dirty="0" err="1">
+                <a:solidFill>
+                  <a:srgbClr val="FF0000"/>
+                </a:solidFill>
+              </a:rPr>
+              <a:t>bestek</a:t>
+            </a:r>
+            <a:r>
+              <a:rPr lang="en-GB" sz="1600" dirty="0">
+                <a:solidFill>
+                  <a:srgbClr val="FF0000"/>
+                </a:solidFill>
+              </a:rPr>
+              <a:t> is </a:t>
+            </a:r>
+            <a:r>
+              <a:rPr lang="en-GB" sz="1600" dirty="0" err="1">
+                <a:solidFill>
+                  <a:srgbClr val="FF0000"/>
+                </a:solidFill>
+              </a:rPr>
+              <a:t>meestal</a:t>
+            </a:r>
+            <a:r>
+              <a:rPr lang="en-GB" sz="1600" dirty="0">
+                <a:solidFill>
+                  <a:srgbClr val="FF0000"/>
+                </a:solidFill>
+              </a:rPr>
+              <a:t> </a:t>
+            </a:r>
+            <a:r>
+              <a:rPr lang="en-GB" sz="1600" dirty="0" err="1">
+                <a:solidFill>
+                  <a:srgbClr val="FF0000"/>
+                </a:solidFill>
+              </a:rPr>
+              <a:t>een</a:t>
+            </a:r>
+            <a:r>
+              <a:rPr lang="en-GB" sz="1600" dirty="0">
+                <a:solidFill>
+                  <a:srgbClr val="FF0000"/>
+                </a:solidFill>
+              </a:rPr>
+              <a:t> </a:t>
+            </a:r>
+            <a:r>
+              <a:rPr lang="en-GB" sz="1600" dirty="0" err="1">
+                <a:solidFill>
+                  <a:srgbClr val="FF0000"/>
+                </a:solidFill>
+              </a:rPr>
+              <a:t>omvangrijk</a:t>
+            </a:r>
+            <a:r>
+              <a:rPr lang="en-GB" sz="1600" dirty="0">
+                <a:solidFill>
+                  <a:srgbClr val="FF0000"/>
+                </a:solidFill>
+              </a:rPr>
+              <a:t> document </a:t>
+            </a:r>
+            <a:r>
+              <a:rPr lang="en-GB" sz="1600" dirty="0" err="1">
+                <a:solidFill>
+                  <a:srgbClr val="FF0000"/>
+                </a:solidFill>
+              </a:rPr>
+              <a:t>waarin</a:t>
+            </a:r>
+            <a:r>
+              <a:rPr lang="en-GB" sz="1600" dirty="0">
+                <a:solidFill>
+                  <a:srgbClr val="FF0000"/>
+                </a:solidFill>
+              </a:rPr>
+              <a:t> op </a:t>
+            </a:r>
+            <a:r>
+              <a:rPr lang="en-GB" sz="1600" dirty="0" err="1">
+                <a:solidFill>
+                  <a:srgbClr val="FF0000"/>
+                </a:solidFill>
+              </a:rPr>
+              <a:t>microniveau</a:t>
+            </a:r>
+            <a:r>
+              <a:rPr lang="en-GB" sz="1600" dirty="0">
+                <a:solidFill>
+                  <a:srgbClr val="FF0000"/>
+                </a:solidFill>
+              </a:rPr>
+              <a:t> alle </a:t>
+            </a:r>
+            <a:r>
+              <a:rPr lang="en-GB" sz="1600" dirty="0" err="1">
+                <a:solidFill>
+                  <a:srgbClr val="FF0000"/>
+                </a:solidFill>
+              </a:rPr>
+              <a:t>eisen</a:t>
+            </a:r>
+            <a:r>
+              <a:rPr lang="en-GB" sz="1600" dirty="0">
+                <a:solidFill>
+                  <a:srgbClr val="FF0000"/>
+                </a:solidFill>
+              </a:rPr>
+              <a:t> </a:t>
+            </a:r>
+            <a:r>
+              <a:rPr lang="en-GB" sz="1600" dirty="0" err="1">
+                <a:solidFill>
+                  <a:srgbClr val="FF0000"/>
+                </a:solidFill>
+              </a:rPr>
+              <a:t>staan</a:t>
+            </a:r>
+            <a:r>
+              <a:rPr lang="en-GB" sz="1600" dirty="0">
+                <a:solidFill>
+                  <a:srgbClr val="FF0000"/>
+                </a:solidFill>
+              </a:rPr>
+              <a:t> </a:t>
+            </a:r>
+            <a:r>
+              <a:rPr lang="en-GB" sz="1600" dirty="0" err="1">
+                <a:solidFill>
+                  <a:srgbClr val="FF0000"/>
+                </a:solidFill>
+              </a:rPr>
+              <a:t>beschreven</a:t>
+            </a:r>
+            <a:r>
+              <a:rPr lang="en-GB" sz="1600" dirty="0">
+                <a:solidFill>
+                  <a:srgbClr val="FF0000"/>
+                </a:solidFill>
+              </a:rPr>
+              <a:t> </a:t>
+            </a:r>
+            <a:r>
+              <a:rPr lang="en-GB" sz="1600" dirty="0" err="1">
+                <a:solidFill>
+                  <a:srgbClr val="FF0000"/>
+                </a:solidFill>
+              </a:rPr>
+              <a:t>waaraan</a:t>
+            </a:r>
+            <a:r>
+              <a:rPr lang="en-GB" sz="1600" dirty="0">
+                <a:solidFill>
+                  <a:srgbClr val="FF0000"/>
+                </a:solidFill>
+              </a:rPr>
+              <a:t> de </a:t>
+            </a:r>
+            <a:r>
+              <a:rPr lang="en-GB" sz="1600" dirty="0" err="1">
+                <a:solidFill>
+                  <a:srgbClr val="FF0000"/>
+                </a:solidFill>
+              </a:rPr>
+              <a:t>opdracht</a:t>
+            </a:r>
+            <a:r>
+              <a:rPr lang="en-GB" sz="1600" dirty="0">
+                <a:solidFill>
+                  <a:srgbClr val="FF0000"/>
+                </a:solidFill>
+              </a:rPr>
+              <a:t> </a:t>
+            </a:r>
+            <a:r>
+              <a:rPr lang="en-GB" sz="1600" dirty="0" err="1">
+                <a:solidFill>
+                  <a:srgbClr val="FF0000"/>
+                </a:solidFill>
+              </a:rPr>
+              <a:t>moet</a:t>
+            </a:r>
+            <a:r>
+              <a:rPr lang="en-GB" sz="1600" dirty="0">
+                <a:solidFill>
+                  <a:srgbClr val="FF0000"/>
+                </a:solidFill>
+              </a:rPr>
+              <a:t> </a:t>
+            </a:r>
+            <a:r>
+              <a:rPr lang="en-GB" sz="1600" dirty="0" err="1">
+                <a:solidFill>
+                  <a:srgbClr val="FF0000"/>
+                </a:solidFill>
+              </a:rPr>
+              <a:t>voldoen</a:t>
+            </a:r>
+            <a:r>
+              <a:rPr lang="en-GB" sz="1600" dirty="0">
+                <a:solidFill>
+                  <a:srgbClr val="FF0000"/>
+                </a:solidFill>
+              </a:rPr>
+              <a:t>. </a:t>
+            </a:r>
+          </a:p>
+          <a:p>
+            <a:r>
+              <a:rPr lang="en-GB" sz="1600" dirty="0">
+                <a:solidFill>
+                  <a:srgbClr val="FF0000"/>
+                </a:solidFill>
+              </a:rPr>
+              <a:t>Het is </a:t>
+            </a:r>
+            <a:r>
+              <a:rPr lang="en-GB" sz="1600" dirty="0" err="1">
+                <a:solidFill>
+                  <a:srgbClr val="FF0000"/>
+                </a:solidFill>
+              </a:rPr>
+              <a:t>dus</a:t>
+            </a:r>
+            <a:r>
+              <a:rPr lang="en-GB" sz="1600" dirty="0">
+                <a:solidFill>
+                  <a:srgbClr val="FF0000"/>
+                </a:solidFill>
+              </a:rPr>
+              <a:t> </a:t>
+            </a:r>
+            <a:r>
+              <a:rPr lang="en-GB" sz="1600" dirty="0" err="1">
+                <a:solidFill>
+                  <a:srgbClr val="FF0000"/>
+                </a:solidFill>
+              </a:rPr>
+              <a:t>een</a:t>
+            </a:r>
+            <a:r>
+              <a:rPr lang="en-GB" sz="1600" dirty="0">
+                <a:solidFill>
+                  <a:srgbClr val="FF0000"/>
+                </a:solidFill>
+              </a:rPr>
+              <a:t> </a:t>
+            </a:r>
+            <a:r>
+              <a:rPr lang="en-GB" sz="1600" dirty="0" err="1">
+                <a:solidFill>
+                  <a:srgbClr val="FF0000"/>
+                </a:solidFill>
+              </a:rPr>
+              <a:t>omschrijving</a:t>
+            </a:r>
+            <a:r>
+              <a:rPr lang="en-GB" sz="1600" dirty="0">
+                <a:solidFill>
+                  <a:srgbClr val="FF0000"/>
+                </a:solidFill>
+              </a:rPr>
+              <a:t> van het project </a:t>
+            </a:r>
+            <a:r>
+              <a:rPr lang="en-GB" sz="1600" dirty="0" err="1">
+                <a:solidFill>
+                  <a:srgbClr val="FF0000"/>
+                </a:solidFill>
+              </a:rPr>
+              <a:t>en</a:t>
+            </a:r>
+            <a:r>
+              <a:rPr lang="en-GB" sz="1600" dirty="0">
+                <a:solidFill>
+                  <a:srgbClr val="FF0000"/>
+                </a:solidFill>
+              </a:rPr>
+              <a:t> alle </a:t>
+            </a:r>
+            <a:r>
+              <a:rPr lang="en-GB" sz="1600" dirty="0" err="1">
+                <a:solidFill>
+                  <a:srgbClr val="FF0000"/>
+                </a:solidFill>
+              </a:rPr>
+              <a:t>bijbehorende</a:t>
+            </a:r>
+            <a:r>
+              <a:rPr lang="en-GB" sz="1600" dirty="0">
+                <a:solidFill>
+                  <a:srgbClr val="FF0000"/>
+                </a:solidFill>
+              </a:rPr>
+              <a:t> </a:t>
+            </a:r>
+            <a:r>
+              <a:rPr lang="en-GB" sz="1600" dirty="0" err="1">
+                <a:solidFill>
+                  <a:srgbClr val="FF0000"/>
+                </a:solidFill>
+              </a:rPr>
+              <a:t>werkzaamheden</a:t>
+            </a:r>
+            <a:r>
+              <a:rPr lang="en-GB" sz="1600" dirty="0">
+                <a:solidFill>
+                  <a:srgbClr val="FF0000"/>
+                </a:solidFill>
+              </a:rPr>
+              <a:t>. </a:t>
+            </a:r>
+          </a:p>
+          <a:p>
+            <a:r>
+              <a:rPr lang="en-GB" sz="1600" dirty="0" err="1">
+                <a:solidFill>
+                  <a:srgbClr val="FF0000"/>
+                </a:solidFill>
+              </a:rPr>
+              <a:t>Denk</a:t>
+            </a:r>
+            <a:r>
+              <a:rPr lang="en-GB" sz="1600" dirty="0">
+                <a:solidFill>
+                  <a:srgbClr val="FF0000"/>
+                </a:solidFill>
+              </a:rPr>
+              <a:t> dan </a:t>
+            </a:r>
+            <a:r>
+              <a:rPr lang="en-GB" sz="1600" dirty="0" err="1">
+                <a:solidFill>
+                  <a:srgbClr val="FF0000"/>
+                </a:solidFill>
+              </a:rPr>
+              <a:t>bijvoorbeeld</a:t>
+            </a:r>
+            <a:r>
+              <a:rPr lang="en-GB" sz="1600" dirty="0">
+                <a:solidFill>
+                  <a:srgbClr val="FF0000"/>
+                </a:solidFill>
+              </a:rPr>
+              <a:t> </a:t>
+            </a:r>
+            <a:r>
+              <a:rPr lang="en-GB" sz="1600" dirty="0" err="1">
+                <a:solidFill>
+                  <a:srgbClr val="FF0000"/>
+                </a:solidFill>
+              </a:rPr>
+              <a:t>aan</a:t>
+            </a:r>
+            <a:r>
+              <a:rPr lang="en-GB" sz="1600" dirty="0">
+                <a:solidFill>
+                  <a:srgbClr val="FF0000"/>
+                </a:solidFill>
+              </a:rPr>
+              <a:t> </a:t>
+            </a:r>
+            <a:r>
+              <a:rPr lang="en-GB" sz="1600" dirty="0" err="1">
+                <a:solidFill>
+                  <a:srgbClr val="FF0000"/>
+                </a:solidFill>
+              </a:rPr>
+              <a:t>materialen</a:t>
+            </a:r>
+            <a:r>
+              <a:rPr lang="en-GB" sz="1600" dirty="0">
+                <a:solidFill>
+                  <a:srgbClr val="FF0000"/>
+                </a:solidFill>
+              </a:rPr>
+              <a:t>, </a:t>
+            </a:r>
+            <a:r>
+              <a:rPr lang="en-GB" sz="1600" dirty="0" err="1">
+                <a:solidFill>
+                  <a:srgbClr val="FF0000"/>
+                </a:solidFill>
+              </a:rPr>
+              <a:t>afmetingen</a:t>
+            </a:r>
+            <a:r>
+              <a:rPr lang="en-GB" sz="1600" dirty="0">
+                <a:solidFill>
+                  <a:srgbClr val="FF0000"/>
+                </a:solidFill>
+              </a:rPr>
+              <a:t> </a:t>
+            </a:r>
+            <a:r>
+              <a:rPr lang="en-GB" sz="1600" dirty="0" err="1">
+                <a:solidFill>
+                  <a:srgbClr val="FF0000"/>
+                </a:solidFill>
+              </a:rPr>
+              <a:t>en</a:t>
+            </a:r>
+            <a:r>
+              <a:rPr lang="en-GB" sz="1600" dirty="0">
+                <a:solidFill>
+                  <a:srgbClr val="FF0000"/>
+                </a:solidFill>
+              </a:rPr>
+              <a:t> </a:t>
+            </a:r>
+            <a:r>
+              <a:rPr lang="en-GB" sz="1600" dirty="0" err="1">
+                <a:solidFill>
+                  <a:srgbClr val="FF0000"/>
+                </a:solidFill>
+              </a:rPr>
+              <a:t>uitvoeringsvoorwaarden</a:t>
+            </a:r>
+            <a:r>
+              <a:rPr lang="en-GB" sz="1600" dirty="0">
+                <a:solidFill>
+                  <a:srgbClr val="FF0000"/>
+                </a:solidFill>
+              </a:rPr>
+              <a:t>.</a:t>
             </a:r>
           </a:p>
           <a:p>
@@ -8676,7 +8589,7 @@
                   <a:srgbClr val="0070C0"/>
                 </a:solidFill>
               </a:rPr>
-              <a:t>Wensen van eventuele eindklant worden hierin meegenomen.</a:t>
+              <a:t>Bestek wordt opgezet door bouwaannemer of architect.</a:t>
             </a:r>
           </a:p>
           <a:p>
@@ -8699,19 +8612,13 @@
                   <a:srgbClr val="0070C0"/>
                 </a:solidFill>
               </a:rPr>
-              <a:t>Bestek bestaat uit de volgende onderdelen:</a:t>
-            </a:r>
-          </a:p>
-          <a:p>
-            <a:pPr marL="539750" lvl="2" indent="-342900"/>
-            <a:r>
-              <a:rPr lang="nl-NL" sz="1600" dirty="0" smtClean="0">
-                <a:solidFill>
-                  <a:srgbClr val="0070C0"/>
-                </a:solidFill>
-              </a:rPr>
-              <a:t>Kwaliteitseisen </a:t>
-            </a:r>
+              <a:t>Wensen van eventuele eindklant worden hierin meegenomen.</a:t>
+            </a:r>
+          </a:p>
+          <a:p>
+            <a:pPr marL="0" lvl="1" indent="0">
+              <a:buNone/>
+            </a:pPr>
             <a:endParaRPr lang="nl-NL" sz="1600" dirty="0">
               <a:solidFill>
                 <a:srgbClr val="0070C0"/>
@@ -8719,6 +8626,19 @@
             </a:endParaRPr>
           </a:p>
           <a:p>
+            <a:pPr marL="0" lvl="1" indent="0">
+              <a:buNone/>
+            </a:pPr>
+            <a:r>
+              <a:rPr lang="nl-NL" sz="1600" dirty="0">
+                <a:solidFill>
+                  <a:srgbClr val="0070C0"/>
+                </a:solidFill>
+              </a:rPr>
+              <a:t>Bestek bestaat uit de volgende onderdelen:</a:t>
+            </a:r>
+          </a:p>
+          <a:p>
             <a:pPr marL="539750" lvl="2" indent="-342900"/>
             <a:r>
               <a:rPr lang="nl-NL" sz="1600" dirty="0">
@@ -8726,7 +8646,7 @@
                   <a:srgbClr val="0070C0"/>
                 </a:solidFill>
               </a:rPr>
-              <a:t>Bepalingen</a:t>
+              <a:t>1.1.3 - Kwaliteitseisen </a:t>
             </a:r>
           </a:p>
           <a:p>
@@ -8737,7 +8657,7 @@
                   <a:srgbClr val="0070C0"/>
                 </a:solidFill>
               </a:rPr>
-              <a:t>Voorschriften</a:t>
+              <a:t>1.1.4 - Bepalingen</a:t>
             </a:r>
           </a:p>
           <a:p>
@@ -8748,7 +8668,7 @@
                   <a:srgbClr val="0070C0"/>
                 </a:solidFill>
               </a:rPr>
-              <a:t>Aansluitvoorwaarde</a:t>
+              <a:t>1.1.5 - Voorschriften</a:t>
             </a:r>
           </a:p>
           <a:p>
@@ -8759,7 +8679,7 @@
                   <a:srgbClr val="0070C0"/>
                 </a:solidFill>
               </a:rPr>
-              <a:t>NEN voorschriften</a:t>
+              <a:t>1.1.6 - Aansluitvoorwaarde</a:t>
             </a:r>
           </a:p>
           <a:p>
@@ -8770,7 +8690,18 @@
                   <a:srgbClr val="0070C0"/>
                 </a:solidFill>
               </a:rPr>
-              <a:t>Bouwbesluit</a:t>
+              <a:t>1.1.7 - NEN voorschriften</a:t>
+            </a:r>
+          </a:p>
+          <a:p>
+            <a:pPr marL="539750" lvl="2" indent="-342900"/>
+            <a:r>
+              <a:rPr lang="nl-NL" sz="1600" dirty="0">
+                <a:solidFill>
+                  <a:srgbClr val="0070C0"/>
+                </a:solidFill>
+              </a:rPr>
+              <a:t>1.2.8 - Bouwbesluit</a:t>
             </a:r>
           </a:p>
         </p:txBody>
@@ -8798,7 +8729,7 @@
         </p:blipFill>
         <p:spPr bwMode="auto">
           <a:xfrm>
-            <a:off x="3491880" y="3212976"/>
+            <a:off x="5004248" y="3820332"/>
             <a:ext cx="3600000" cy="2392001"/>
           </a:xfrm>
           <a:prstGeom prst="rect">
@@ -8826,13 +8757,6 @@
   <p:clrMapOvr>
     <a:masterClrMapping/>
   </p:clrMapOvr>
-  <p:timing>
-    <p:tnLst>
-      <p:par>
-        <p:cTn id="1" dur="indefinite" restart="never" nodeType="tmRoot"/>
-      </p:par>
-    </p:tnLst>
-  </p:timing>
 </p:sld>
 </file>
 
@@ -8874,26 +8798,13 @@
           <a:lstStyle/>
           <a:p>
             <a:r>
-              <a:rPr lang="nl-NL" dirty="0" smtClean="0">
-                <a:solidFill>
-                  <a:srgbClr val="0070C0"/>
-                </a:solidFill>
-              </a:rPr>
-              <a:t>1.1.3 </a:t>
-            </a:r>
-            <a:r>
-              <a:rPr lang="nl-NL" dirty="0" smtClean="0">
-                <a:solidFill>
-                  <a:srgbClr val="0070C0"/>
-                </a:solidFill>
-              </a:rPr>
-              <a:t>Kwaliteitseisen</a:t>
-            </a:r>
-            <a:endParaRPr lang="nl-NL" dirty="0">
-              <a:solidFill>
-                <a:srgbClr val="0070C0"/>
-              </a:solidFill>
-            </a:endParaRPr>
+              <a:rPr lang="nl-NL" dirty="0">
+                <a:solidFill>
+                  <a:srgbClr val="0070C0"/>
+                </a:solidFill>
+              </a:rPr>
+              <a:t>1.1.3 Kwaliteitseisen</a:t>
+            </a:r>
           </a:p>
         </p:txBody>
       </p:sp>
@@ -8925,7 +8836,7 @@
                 </a:solidFill>
               </a:rPr>
               <a:pPr algn="r"/>
-              <a:t>26-6-2020</a:t>
+              <a:t>25-04-2023</a:t>
             </a:fld>
             <a:endParaRPr lang="nl-NL" dirty="0">
               <a:solidFill>
@@ -8961,21 +8872,8 @@
                   <a:srgbClr val="0070C0"/>
                 </a:solidFill>
               </a:rPr>
-              <a:t>d</a:t>
-            </a:r>
-            <a:r>
-              <a:rPr lang="nl-NL" b="1" dirty="0" smtClean="0">
-                <a:solidFill>
-                  <a:srgbClr val="0070C0"/>
-                </a:solidFill>
-              </a:rPr>
-              <a:t>a Vinci college Middenkader Engineering</a:t>
-            </a:r>
-            <a:endParaRPr lang="nl-NL" b="1" dirty="0">
-              <a:solidFill>
-                <a:srgbClr val="0070C0"/>
-              </a:solidFill>
-            </a:endParaRPr>
+              <a:t>da Vinci college Middenkader Engineering</a:t>
+            </a:r>
           </a:p>
         </p:txBody>
       </p:sp>
@@ -9212,13 +9110,6 @@
   <p:clrMapOvr>
     <a:masterClrMapping/>
   </p:clrMapOvr>
-  <p:timing>
-    <p:tnLst>
-      <p:par>
-        <p:cTn id="1" dur="indefinite" restart="never" nodeType="tmRoot"/>
-      </p:par>
-    </p:tnLst>
-  </p:timing>
 </p:sld>
 </file>
 
@@ -9260,26 +9151,13 @@
           <a:lstStyle/>
           <a:p>
             <a:r>
-              <a:rPr lang="nl-NL" dirty="0" smtClean="0">
-                <a:solidFill>
-                  <a:srgbClr val="0070C0"/>
-                </a:solidFill>
-              </a:rPr>
-              <a:t>1.1.4 </a:t>
-            </a:r>
-            <a:r>
-              <a:rPr lang="nl-NL" dirty="0" smtClean="0">
-                <a:solidFill>
-                  <a:srgbClr val="0070C0"/>
-                </a:solidFill>
-              </a:rPr>
-              <a:t>Bepalingen</a:t>
-            </a:r>
-            <a:endParaRPr lang="nl-NL" dirty="0">
-              <a:solidFill>
-                <a:srgbClr val="0070C0"/>
-              </a:solidFill>
-            </a:endParaRPr>
+              <a:rPr lang="nl-NL" dirty="0">
+                <a:solidFill>
+                  <a:srgbClr val="0070C0"/>
+                </a:solidFill>
+              </a:rPr>
+              <a:t>1.1.4 Bepalingen</a:t>
+            </a:r>
           </a:p>
         </p:txBody>
       </p:sp>
@@ -9311,7 +9189,7 @@
                 </a:solidFill>
               </a:rPr>
               <a:pPr algn="r"/>
-              <a:t>26-6-2020</a:t>
+              <a:t>25-04-2023</a:t>
             </a:fld>
             <a:endParaRPr lang="nl-NL" dirty="0">
               <a:solidFill>
@@ -9347,21 +9225,8 @@
                   <a:srgbClr val="0070C0"/>
                 </a:solidFill>
               </a:rPr>
-              <a:t>d</a:t>
-            </a:r>
-            <a:r>
-              <a:rPr lang="nl-NL" b="1" dirty="0" smtClean="0">
-                <a:solidFill>
-                  <a:srgbClr val="0070C0"/>
-                </a:solidFill>
-              </a:rPr>
-              <a:t>a Vinci college Middenkader Engineering</a:t>
-            </a:r>
-            <a:endParaRPr lang="nl-NL" b="1" dirty="0">
-              <a:solidFill>
-                <a:srgbClr val="0070C0"/>
-              </a:solidFill>
-            </a:endParaRPr>
+              <a:t>da Vinci college Middenkader Engineering</a:t>
+            </a:r>
           </a:p>
         </p:txBody>
       </p:sp>
@@ -9670,13 +9535,6 @@
   <p:clrMapOvr>
     <a:masterClrMapping/>
   </p:clrMapOvr>
-  <p:timing>
-    <p:tnLst>
-      <p:par>
-        <p:cTn id="1" dur="indefinite" restart="never" nodeType="tmRoot"/>
-      </p:par>
-    </p:tnLst>
-  </p:timing>
 </p:sld>
 </file>
 
@@ -9718,26 +9576,13 @@
           <a:lstStyle/>
           <a:p>
             <a:r>
-              <a:rPr lang="nl-NL" dirty="0" smtClean="0">
-                <a:solidFill>
-                  <a:srgbClr val="0070C0"/>
-                </a:solidFill>
-              </a:rPr>
-              <a:t>1.1.5 </a:t>
-            </a:r>
-            <a:r>
-              <a:rPr lang="nl-NL" dirty="0" smtClean="0">
-                <a:solidFill>
-                  <a:srgbClr val="0070C0"/>
-                </a:solidFill>
-              </a:rPr>
-              <a:t>Voorschriften</a:t>
-            </a:r>
-            <a:endParaRPr lang="nl-NL" dirty="0">
-              <a:solidFill>
-                <a:srgbClr val="0070C0"/>
-              </a:solidFill>
-            </a:endParaRPr>
+              <a:rPr lang="nl-NL" dirty="0">
+                <a:solidFill>
+                  <a:srgbClr val="0070C0"/>
+                </a:solidFill>
+              </a:rPr>
+              <a:t>1.1.5 Voorschriften</a:t>
+            </a:r>
           </a:p>
         </p:txBody>
       </p:sp>
@@ -9769,7 +9614,7 @@
                 </a:solidFill>
               </a:rPr>
               <a:pPr algn="r"/>
-              <a:t>26-6-2020</a:t>
+              <a:t>25-04-2023</a:t>
             </a:fld>
             <a:endParaRPr lang="nl-NL" dirty="0">
               <a:solidFill>
@@ -9805,21 +9650,8 @@
                   <a:srgbClr val="0070C0"/>
                 </a:solidFill>
               </a:rPr>
-              <a:t>d</a:t>
-            </a:r>
-            <a:r>
-              <a:rPr lang="nl-NL" b="1" dirty="0" smtClean="0">
-                <a:solidFill>
-                  <a:srgbClr val="0070C0"/>
-                </a:solidFill>
-              </a:rPr>
-              <a:t>a Vinci college Middenkader Engineering</a:t>
-            </a:r>
-            <a:endParaRPr lang="nl-NL" b="1" dirty="0">
-              <a:solidFill>
-                <a:srgbClr val="0070C0"/>
-              </a:solidFill>
-            </a:endParaRPr>
+              <a:t>da Vinci college Middenkader Engineering</a:t>
+            </a:r>
           </a:p>
         </p:txBody>
       </p:sp>
@@ -10067,13 +9899,6 @@
   <p:clrMapOvr>
     <a:masterClrMapping/>
   </p:clrMapOvr>
-  <p:timing>
-    <p:tnLst>
-      <p:par>
-        <p:cTn id="1" dur="indefinite" restart="never" nodeType="tmRoot"/>
-      </p:par>
-    </p:tnLst>
-  </p:timing>
 </p:sld>
 </file>
 
@@ -10115,26 +9940,13 @@
           <a:lstStyle/>
           <a:p>
             <a:r>
-              <a:rPr lang="nl-NL" dirty="0" smtClean="0">
-                <a:solidFill>
-                  <a:srgbClr val="0070C0"/>
-                </a:solidFill>
-              </a:rPr>
-              <a:t>1.1.6 </a:t>
-            </a:r>
-            <a:r>
-              <a:rPr lang="nl-NL" dirty="0" smtClean="0">
-                <a:solidFill>
-                  <a:srgbClr val="0070C0"/>
-                </a:solidFill>
-              </a:rPr>
-              <a:t>Aansluitvoorwaarde</a:t>
-            </a:r>
-            <a:endParaRPr lang="nl-NL" dirty="0">
-              <a:solidFill>
-                <a:srgbClr val="0070C0"/>
-              </a:solidFill>
-            </a:endParaRPr>
+              <a:rPr lang="nl-NL" dirty="0">
+                <a:solidFill>
+                  <a:srgbClr val="0070C0"/>
+                </a:solidFill>
+              </a:rPr>
+              <a:t>1.1.6 Aansluitvoorwaarde</a:t>
+            </a:r>
           </a:p>
         </p:txBody>
       </p:sp>
@@ -10166,7 +9978,7 @@
                 </a:solidFill>
               </a:rPr>
               <a:pPr algn="r"/>
-              <a:t>26-6-2020</a:t>
+              <a:t>25-04-2023</a:t>
             </a:fld>
             <a:endParaRPr lang="nl-NL" dirty="0">
               <a:solidFill>
@@ -10202,21 +10014,8 @@
                   <a:srgbClr val="0070C0"/>
                 </a:solidFill>
               </a:rPr>
-              <a:t>d</a:t>
-            </a:r>
-            <a:r>
-              <a:rPr lang="nl-NL" b="1" dirty="0" smtClean="0">
-                <a:solidFill>
-                  <a:srgbClr val="0070C0"/>
-                </a:solidFill>
-              </a:rPr>
-              <a:t>a Vinci college Middenkader Engineering</a:t>
-            </a:r>
-            <a:endParaRPr lang="nl-NL" b="1" dirty="0">
-              <a:solidFill>
-                <a:srgbClr val="0070C0"/>
-              </a:solidFill>
-            </a:endParaRPr>
+              <a:t>da Vinci college Middenkader Engineering</a:t>
+            </a:r>
           </a:p>
         </p:txBody>
       </p:sp>
@@ -10331,7 +10130,19 @@
                   <a:srgbClr val="0070C0"/>
                 </a:solidFill>
               </a:rPr>
-              <a:t>TT/TN stelsel</a:t>
+              <a:t>TT/TN stelsel (</a:t>
+            </a:r>
+            <a:r>
+              <a:rPr lang="nl-NL" sz="1400" dirty="0"/>
+              <a:t>aardingsstelsels</a:t>
+            </a:r>
+            <a:r>
+              <a:rPr lang="nl-NL" sz="1600" dirty="0">
+                <a:solidFill>
+                  <a:srgbClr val="0070C0"/>
+                </a:solidFill>
+              </a:rPr>
+              <a:t>)</a:t>
             </a:r>
           </a:p>
           <a:p>
@@ -10420,13 +10231,6 @@
   <p:clrMapOvr>
     <a:masterClrMapping/>
   </p:clrMapOvr>
-  <p:timing>
-    <p:tnLst>
-      <p:par>
-        <p:cTn id="1" dur="indefinite" restart="never" nodeType="tmRoot"/>
-      </p:par>
-    </p:tnLst>
-  </p:timing>
 </p:sld>
 </file>
 
